--- a/Doc/의문점 및 이슈.pptx
+++ b/Doc/의문점 및 이슈.pptx
@@ -6,6 +6,10 @@
   </p:sldMasterIdLst>
   <p:sldIdLst>
     <p:sldId id="256" r:id="rId2"/>
+    <p:sldId id="257" r:id="rId3"/>
+    <p:sldId id="258" r:id="rId4"/>
+    <p:sldId id="259" r:id="rId5"/>
+    <p:sldId id="260" r:id="rId6"/>
   </p:sldIdLst>
   <p:sldSz cx="12192000" cy="6858000"/>
   <p:notesSz cx="6858000" cy="9144000"/>
@@ -104,7 +108,501 @@
       </a:defRPr>
     </a:lvl9pPr>
   </p:defaultTextStyle>
+  <p:extLst>
+    <p:ext uri="{EFAFB233-063F-42B5-8137-9DF3F51BA10A}">
+      <p15:sldGuideLst xmlns:p15="http://schemas.microsoft.com/office/powerpoint/2012/main"/>
+    </p:ext>
+  </p:extLst>
 </p:presentation>
+</file>
+
+<file path=ppt/revisionInfo.xml><?xml version="1.0" encoding="utf-8"?>
+<p1510:revInfo xmlns:a="http://schemas.openxmlformats.org/drawingml/2006/main" xmlns:r="http://schemas.openxmlformats.org/officeDocument/2006/relationships" xmlns:p1510="http://schemas.microsoft.com/office/powerpoint/2015/10/main">
+  <p1510:revLst>
+    <p1510:client id="{DF8DF97F-041A-4D52-96A5-AD7D3C0C0739}" v="70" dt="2021-03-11T00:31:33.841"/>
+  </p1510:revLst>
+</p1510:revInfo>
+</file>
+
+<file path=ppt/changesInfos/changesInfo1.xml><?xml version="1.0" encoding="utf-8"?>
+<pc:chgInfo xmlns:a="http://schemas.openxmlformats.org/drawingml/2006/main" xmlns:r="http://schemas.openxmlformats.org/officeDocument/2006/relationships" xmlns:ac="http://schemas.microsoft.com/office/drawing/2013/main/command" xmlns:pc="http://schemas.microsoft.com/office/powerpoint/2013/main/command">
+  <pc:docChgLst>
+    <pc:chgData name="Park Sunghwan" userId="8cf89178bfa7823e" providerId="LiveId" clId="{DF8DF97F-041A-4D52-96A5-AD7D3C0C0739}"/>
+    <pc:docChg chg="undo custSel addSld modSld">
+      <pc:chgData name="Park Sunghwan" userId="8cf89178bfa7823e" providerId="LiveId" clId="{DF8DF97F-041A-4D52-96A5-AD7D3C0C0739}" dt="2021-03-11T02:43:48.492" v="687" actId="1076"/>
+      <pc:docMkLst>
+        <pc:docMk/>
+      </pc:docMkLst>
+      <pc:sldChg chg="addSp delSp modSp mod">
+        <pc:chgData name="Park Sunghwan" userId="8cf89178bfa7823e" providerId="LiveId" clId="{DF8DF97F-041A-4D52-96A5-AD7D3C0C0739}" dt="2021-03-10T12:40:00.255" v="314" actId="20577"/>
+        <pc:sldMkLst>
+          <pc:docMk/>
+          <pc:sldMk cId="1983085441" sldId="256"/>
+        </pc:sldMkLst>
+        <pc:spChg chg="add del mod">
+          <ac:chgData name="Park Sunghwan" userId="8cf89178bfa7823e" providerId="LiveId" clId="{DF8DF97F-041A-4D52-96A5-AD7D3C0C0739}" dt="2021-03-10T12:39:07.520" v="267" actId="478"/>
+          <ac:spMkLst>
+            <pc:docMk/>
+            <pc:sldMk cId="1983085441" sldId="256"/>
+            <ac:spMk id="3" creationId="{EB7CB2EB-4A51-4B5D-8957-CA6E974E8648}"/>
+          </ac:spMkLst>
+        </pc:spChg>
+        <pc:spChg chg="del mod">
+          <ac:chgData name="Park Sunghwan" userId="8cf89178bfa7823e" providerId="LiveId" clId="{DF8DF97F-041A-4D52-96A5-AD7D3C0C0739}" dt="2021-03-10T12:39:37.984" v="299" actId="478"/>
+          <ac:spMkLst>
+            <pc:docMk/>
+            <pc:sldMk cId="1983085441" sldId="256"/>
+            <ac:spMk id="4" creationId="{FCAC34F8-8A0A-4DC4-8B8D-508A08DD7344}"/>
+          </ac:spMkLst>
+        </pc:spChg>
+        <pc:spChg chg="add mod">
+          <ac:chgData name="Park Sunghwan" userId="8cf89178bfa7823e" providerId="LiveId" clId="{DF8DF97F-041A-4D52-96A5-AD7D3C0C0739}" dt="2021-03-10T12:39:02.091" v="263" actId="571"/>
+          <ac:spMkLst>
+            <pc:docMk/>
+            <pc:sldMk cId="1983085441" sldId="256"/>
+            <ac:spMk id="5" creationId="{F8DF89CF-F03F-4509-84EA-437DE5235912}"/>
+          </ac:spMkLst>
+        </pc:spChg>
+        <pc:spChg chg="add mod">
+          <ac:chgData name="Park Sunghwan" userId="8cf89178bfa7823e" providerId="LiveId" clId="{DF8DF97F-041A-4D52-96A5-AD7D3C0C0739}" dt="2021-03-10T12:40:00.255" v="314" actId="20577"/>
+          <ac:spMkLst>
+            <pc:docMk/>
+            <pc:sldMk cId="1983085441" sldId="256"/>
+            <ac:spMk id="6" creationId="{67EE470E-9AA3-4516-88FB-B8F2D9248AE1}"/>
+          </ac:spMkLst>
+        </pc:spChg>
+      </pc:sldChg>
+      <pc:sldChg chg="addSp delSp modSp add mod">
+        <pc:chgData name="Park Sunghwan" userId="8cf89178bfa7823e" providerId="LiveId" clId="{DF8DF97F-041A-4D52-96A5-AD7D3C0C0739}" dt="2021-03-10T12:41:14.255" v="379" actId="20577"/>
+        <pc:sldMkLst>
+          <pc:docMk/>
+          <pc:sldMk cId="1043660172" sldId="257"/>
+        </pc:sldMkLst>
+        <pc:spChg chg="add mod">
+          <ac:chgData name="Park Sunghwan" userId="8cf89178bfa7823e" providerId="LiveId" clId="{DF8DF97F-041A-4D52-96A5-AD7D3C0C0739}" dt="2021-03-10T12:41:14.255" v="379" actId="20577"/>
+          <ac:spMkLst>
+            <pc:docMk/>
+            <pc:sldMk cId="1043660172" sldId="257"/>
+            <ac:spMk id="2" creationId="{BB586F36-A911-4F30-93A2-2435C41FDDFA}"/>
+          </ac:spMkLst>
+        </pc:spChg>
+        <pc:spChg chg="del">
+          <ac:chgData name="Park Sunghwan" userId="8cf89178bfa7823e" providerId="LiveId" clId="{DF8DF97F-041A-4D52-96A5-AD7D3C0C0739}" dt="2021-03-10T01:20:31.169" v="1" actId="478"/>
+          <ac:spMkLst>
+            <pc:docMk/>
+            <pc:sldMk cId="1043660172" sldId="257"/>
+            <ac:spMk id="4" creationId="{FCAC34F8-8A0A-4DC4-8B8D-508A08DD7344}"/>
+          </ac:spMkLst>
+        </pc:spChg>
+      </pc:sldChg>
+      <pc:sldChg chg="addSp delSp modSp add mod">
+        <pc:chgData name="Park Sunghwan" userId="8cf89178bfa7823e" providerId="LiveId" clId="{DF8DF97F-041A-4D52-96A5-AD7D3C0C0739}" dt="2021-03-10T12:47:45.284" v="547" actId="20577"/>
+        <pc:sldMkLst>
+          <pc:docMk/>
+          <pc:sldMk cId="3241128318" sldId="258"/>
+        </pc:sldMkLst>
+        <pc:spChg chg="mod">
+          <ac:chgData name="Park Sunghwan" userId="8cf89178bfa7823e" providerId="LiveId" clId="{DF8DF97F-041A-4D52-96A5-AD7D3C0C0739}" dt="2021-03-10T12:45:44.159" v="499" actId="20577"/>
+          <ac:spMkLst>
+            <pc:docMk/>
+            <pc:sldMk cId="3241128318" sldId="258"/>
+            <ac:spMk id="2" creationId="{BB586F36-A911-4F30-93A2-2435C41FDDFA}"/>
+          </ac:spMkLst>
+        </pc:spChg>
+        <pc:spChg chg="add mod">
+          <ac:chgData name="Park Sunghwan" userId="8cf89178bfa7823e" providerId="LiveId" clId="{DF8DF97F-041A-4D52-96A5-AD7D3C0C0739}" dt="2021-03-10T12:45:29.274" v="476" actId="122"/>
+          <ac:spMkLst>
+            <pc:docMk/>
+            <pc:sldMk cId="3241128318" sldId="258"/>
+            <ac:spMk id="3" creationId="{CA3BB9D5-E397-40D9-A9E6-6DE62B096AAE}"/>
+          </ac:spMkLst>
+        </pc:spChg>
+        <pc:spChg chg="add del mod">
+          <ac:chgData name="Park Sunghwan" userId="8cf89178bfa7823e" providerId="LiveId" clId="{DF8DF97F-041A-4D52-96A5-AD7D3C0C0739}" dt="2021-03-10T12:42:14.744" v="387" actId="478"/>
+          <ac:spMkLst>
+            <pc:docMk/>
+            <pc:sldMk cId="3241128318" sldId="258"/>
+            <ac:spMk id="4" creationId="{91C6D995-DBF4-4D9E-8828-81C9399BA5CF}"/>
+          </ac:spMkLst>
+        </pc:spChg>
+        <pc:spChg chg="add mod">
+          <ac:chgData name="Park Sunghwan" userId="8cf89178bfa7823e" providerId="LiveId" clId="{DF8DF97F-041A-4D52-96A5-AD7D3C0C0739}" dt="2021-03-10T12:45:29.274" v="476" actId="122"/>
+          <ac:spMkLst>
+            <pc:docMk/>
+            <pc:sldMk cId="3241128318" sldId="258"/>
+            <ac:spMk id="5" creationId="{12E6703E-E83C-4D5A-8ED8-1B04D5D80846}"/>
+          </ac:spMkLst>
+        </pc:spChg>
+        <pc:spChg chg="add mod">
+          <ac:chgData name="Park Sunghwan" userId="8cf89178bfa7823e" providerId="LiveId" clId="{DF8DF97F-041A-4D52-96A5-AD7D3C0C0739}" dt="2021-03-10T12:45:29.274" v="476" actId="122"/>
+          <ac:spMkLst>
+            <pc:docMk/>
+            <pc:sldMk cId="3241128318" sldId="258"/>
+            <ac:spMk id="6" creationId="{C1D5B07C-A36E-4A08-ACE9-29A1A2F56DF6}"/>
+          </ac:spMkLst>
+        </pc:spChg>
+        <pc:spChg chg="add mod">
+          <ac:chgData name="Park Sunghwan" userId="8cf89178bfa7823e" providerId="LiveId" clId="{DF8DF97F-041A-4D52-96A5-AD7D3C0C0739}" dt="2021-03-10T12:45:29.274" v="476" actId="122"/>
+          <ac:spMkLst>
+            <pc:docMk/>
+            <pc:sldMk cId="3241128318" sldId="258"/>
+            <ac:spMk id="7" creationId="{ECB43926-4D76-4AF8-9666-0B02928B3EC3}"/>
+          </ac:spMkLst>
+        </pc:spChg>
+        <pc:spChg chg="add mod">
+          <ac:chgData name="Park Sunghwan" userId="8cf89178bfa7823e" providerId="LiveId" clId="{DF8DF97F-041A-4D52-96A5-AD7D3C0C0739}" dt="2021-03-10T12:45:57.199" v="510" actId="1076"/>
+          <ac:spMkLst>
+            <pc:docMk/>
+            <pc:sldMk cId="3241128318" sldId="258"/>
+            <ac:spMk id="20" creationId="{C683F365-7F3A-44EB-9655-E68B6190E5F8}"/>
+          </ac:spMkLst>
+        </pc:spChg>
+        <pc:spChg chg="add mod">
+          <ac:chgData name="Park Sunghwan" userId="8cf89178bfa7823e" providerId="LiveId" clId="{DF8DF97F-041A-4D52-96A5-AD7D3C0C0739}" dt="2021-03-10T12:45:54.175" v="509"/>
+          <ac:spMkLst>
+            <pc:docMk/>
+            <pc:sldMk cId="3241128318" sldId="258"/>
+            <ac:spMk id="27" creationId="{BB243FB5-8933-44BB-942D-D8CD2CC796F3}"/>
+          </ac:spMkLst>
+        </pc:spChg>
+        <pc:spChg chg="add mod">
+          <ac:chgData name="Park Sunghwan" userId="8cf89178bfa7823e" providerId="LiveId" clId="{DF8DF97F-041A-4D52-96A5-AD7D3C0C0739}" dt="2021-03-10T12:46:01.337" v="512" actId="1076"/>
+          <ac:spMkLst>
+            <pc:docMk/>
+            <pc:sldMk cId="3241128318" sldId="258"/>
+            <ac:spMk id="28" creationId="{8E4D0FBE-5E12-4F24-BDF7-4DD457D58A42}"/>
+          </ac:spMkLst>
+        </pc:spChg>
+        <pc:spChg chg="add del mod">
+          <ac:chgData name="Park Sunghwan" userId="8cf89178bfa7823e" providerId="LiveId" clId="{DF8DF97F-041A-4D52-96A5-AD7D3C0C0739}" dt="2021-03-10T12:46:04.625" v="515" actId="478"/>
+          <ac:spMkLst>
+            <pc:docMk/>
+            <pc:sldMk cId="3241128318" sldId="258"/>
+            <ac:spMk id="29" creationId="{099AF222-14F3-4A06-B88A-236AE8543099}"/>
+          </ac:spMkLst>
+        </pc:spChg>
+        <pc:spChg chg="add mod">
+          <ac:chgData name="Park Sunghwan" userId="8cf89178bfa7823e" providerId="LiveId" clId="{DF8DF97F-041A-4D52-96A5-AD7D3C0C0739}" dt="2021-03-10T12:46:18.479" v="526" actId="1076"/>
+          <ac:spMkLst>
+            <pc:docMk/>
+            <pc:sldMk cId="3241128318" sldId="258"/>
+            <ac:spMk id="30" creationId="{868A67AE-EEB1-4A9C-A7FF-BA122AC25873}"/>
+          </ac:spMkLst>
+        </pc:spChg>
+        <pc:spChg chg="add mod">
+          <ac:chgData name="Park Sunghwan" userId="8cf89178bfa7823e" providerId="LiveId" clId="{DF8DF97F-041A-4D52-96A5-AD7D3C0C0739}" dt="2021-03-10T12:46:23.176" v="528" actId="1076"/>
+          <ac:spMkLst>
+            <pc:docMk/>
+            <pc:sldMk cId="3241128318" sldId="258"/>
+            <ac:spMk id="31" creationId="{D83E584E-0B56-461F-8A10-6BBAB771A0B1}"/>
+          </ac:spMkLst>
+        </pc:spChg>
+        <pc:spChg chg="add mod">
+          <ac:chgData name="Park Sunghwan" userId="8cf89178bfa7823e" providerId="LiveId" clId="{DF8DF97F-041A-4D52-96A5-AD7D3C0C0739}" dt="2021-03-10T12:47:23.448" v="538" actId="208"/>
+          <ac:spMkLst>
+            <pc:docMk/>
+            <pc:sldMk cId="3241128318" sldId="258"/>
+            <ac:spMk id="32" creationId="{6E6A1882-5DBE-4FB8-A234-29034302520B}"/>
+          </ac:spMkLst>
+        </pc:spChg>
+        <pc:spChg chg="add del mod">
+          <ac:chgData name="Park Sunghwan" userId="8cf89178bfa7823e" providerId="LiveId" clId="{DF8DF97F-041A-4D52-96A5-AD7D3C0C0739}" dt="2021-03-10T12:47:20.354" v="537" actId="478"/>
+          <ac:spMkLst>
+            <pc:docMk/>
+            <pc:sldMk cId="3241128318" sldId="258"/>
+            <ac:spMk id="33" creationId="{CE01A6B7-6AB3-4120-99A9-38CE6E661953}"/>
+          </ac:spMkLst>
+        </pc:spChg>
+        <pc:spChg chg="add mod">
+          <ac:chgData name="Park Sunghwan" userId="8cf89178bfa7823e" providerId="LiveId" clId="{DF8DF97F-041A-4D52-96A5-AD7D3C0C0739}" dt="2021-03-10T12:47:31.125" v="541" actId="20577"/>
+          <ac:spMkLst>
+            <pc:docMk/>
+            <pc:sldMk cId="3241128318" sldId="258"/>
+            <ac:spMk id="34" creationId="{0A13942C-4CD4-4F3A-A2CD-539CE05B75B3}"/>
+          </ac:spMkLst>
+        </pc:spChg>
+        <pc:spChg chg="add mod">
+          <ac:chgData name="Park Sunghwan" userId="8cf89178bfa7823e" providerId="LiveId" clId="{DF8DF97F-041A-4D52-96A5-AD7D3C0C0739}" dt="2021-03-10T12:47:36.495" v="544" actId="20577"/>
+          <ac:spMkLst>
+            <pc:docMk/>
+            <pc:sldMk cId="3241128318" sldId="258"/>
+            <ac:spMk id="35" creationId="{2DEF7EB7-7D3E-4789-B473-96AEE5A6972C}"/>
+          </ac:spMkLst>
+        </pc:spChg>
+        <pc:spChg chg="add mod">
+          <ac:chgData name="Park Sunghwan" userId="8cf89178bfa7823e" providerId="LiveId" clId="{DF8DF97F-041A-4D52-96A5-AD7D3C0C0739}" dt="2021-03-10T12:47:45.284" v="547" actId="20577"/>
+          <ac:spMkLst>
+            <pc:docMk/>
+            <pc:sldMk cId="3241128318" sldId="258"/>
+            <ac:spMk id="36" creationId="{EFAEE457-AC2B-4CBA-99DA-52875BFEFAAF}"/>
+          </ac:spMkLst>
+        </pc:spChg>
+        <pc:grpChg chg="add mod">
+          <ac:chgData name="Park Sunghwan" userId="8cf89178bfa7823e" providerId="LiveId" clId="{DF8DF97F-041A-4D52-96A5-AD7D3C0C0739}" dt="2021-03-10T12:45:34.656" v="477" actId="1076"/>
+          <ac:grpSpMkLst>
+            <pc:docMk/>
+            <pc:sldMk cId="3241128318" sldId="258"/>
+            <ac:grpSpMk id="26" creationId="{4FCDBF90-CADA-4EE6-809A-06AEDEBEBE56}"/>
+          </ac:grpSpMkLst>
+        </pc:grpChg>
+        <pc:cxnChg chg="add mod">
+          <ac:chgData name="Park Sunghwan" userId="8cf89178bfa7823e" providerId="LiveId" clId="{DF8DF97F-041A-4D52-96A5-AD7D3C0C0739}" dt="2021-03-10T12:45:24.584" v="474" actId="164"/>
+          <ac:cxnSpMkLst>
+            <pc:docMk/>
+            <pc:sldMk cId="3241128318" sldId="258"/>
+            <ac:cxnSpMk id="9" creationId="{480ED38F-281F-483A-ACBD-2D6D04E06AD7}"/>
+          </ac:cxnSpMkLst>
+        </pc:cxnChg>
+        <pc:cxnChg chg="add mod">
+          <ac:chgData name="Park Sunghwan" userId="8cf89178bfa7823e" providerId="LiveId" clId="{DF8DF97F-041A-4D52-96A5-AD7D3C0C0739}" dt="2021-03-10T12:45:24.584" v="474" actId="164"/>
+          <ac:cxnSpMkLst>
+            <pc:docMk/>
+            <pc:sldMk cId="3241128318" sldId="258"/>
+            <ac:cxnSpMk id="11" creationId="{7B7A89F3-4656-451F-80D1-44FF2AFCE049}"/>
+          </ac:cxnSpMkLst>
+        </pc:cxnChg>
+        <pc:cxnChg chg="add del mod">
+          <ac:chgData name="Park Sunghwan" userId="8cf89178bfa7823e" providerId="LiveId" clId="{DF8DF97F-041A-4D52-96A5-AD7D3C0C0739}" dt="2021-03-10T12:43:56.071" v="433" actId="478"/>
+          <ac:cxnSpMkLst>
+            <pc:docMk/>
+            <pc:sldMk cId="3241128318" sldId="258"/>
+            <ac:cxnSpMk id="12" creationId="{02B84E12-FB92-4E02-9641-11BA615E5CA9}"/>
+          </ac:cxnSpMkLst>
+        </pc:cxnChg>
+        <pc:cxnChg chg="add mod">
+          <ac:chgData name="Park Sunghwan" userId="8cf89178bfa7823e" providerId="LiveId" clId="{DF8DF97F-041A-4D52-96A5-AD7D3C0C0739}" dt="2021-03-10T12:45:24.584" v="474" actId="164"/>
+          <ac:cxnSpMkLst>
+            <pc:docMk/>
+            <pc:sldMk cId="3241128318" sldId="258"/>
+            <ac:cxnSpMk id="14" creationId="{8C58BA80-B073-4960-99D2-E4D46095F901}"/>
+          </ac:cxnSpMkLst>
+        </pc:cxnChg>
+        <pc:cxnChg chg="add mod">
+          <ac:chgData name="Park Sunghwan" userId="8cf89178bfa7823e" providerId="LiveId" clId="{DF8DF97F-041A-4D52-96A5-AD7D3C0C0739}" dt="2021-03-10T12:45:24.584" v="474" actId="164"/>
+          <ac:cxnSpMkLst>
+            <pc:docMk/>
+            <pc:sldMk cId="3241128318" sldId="258"/>
+            <ac:cxnSpMk id="17" creationId="{71FDE307-FFC4-4727-AC19-40DDB3BB3B1C}"/>
+          </ac:cxnSpMkLst>
+        </pc:cxnChg>
+        <pc:cxnChg chg="add mod">
+          <ac:chgData name="Park Sunghwan" userId="8cf89178bfa7823e" providerId="LiveId" clId="{DF8DF97F-041A-4D52-96A5-AD7D3C0C0739}" dt="2021-03-10T12:45:24.584" v="474" actId="164"/>
+          <ac:cxnSpMkLst>
+            <pc:docMk/>
+            <pc:sldMk cId="3241128318" sldId="258"/>
+            <ac:cxnSpMk id="18" creationId="{6F81520E-6B2A-463D-A609-7E82FDBD5820}"/>
+          </ac:cxnSpMkLst>
+        </pc:cxnChg>
+      </pc:sldChg>
+      <pc:sldChg chg="addSp delSp modSp new mod">
+        <pc:chgData name="Park Sunghwan" userId="8cf89178bfa7823e" providerId="LiveId" clId="{DF8DF97F-041A-4D52-96A5-AD7D3C0C0739}" dt="2021-03-11T00:19:36.954" v="597" actId="14100"/>
+        <pc:sldMkLst>
+          <pc:docMk/>
+          <pc:sldMk cId="2355070503" sldId="259"/>
+        </pc:sldMkLst>
+        <pc:spChg chg="del">
+          <ac:chgData name="Park Sunghwan" userId="8cf89178bfa7823e" providerId="LiveId" clId="{DF8DF97F-041A-4D52-96A5-AD7D3C0C0739}" dt="2021-03-11T00:13:33.767" v="550" actId="478"/>
+          <ac:spMkLst>
+            <pc:docMk/>
+            <pc:sldMk cId="2355070503" sldId="259"/>
+            <ac:spMk id="2" creationId="{F949C492-83A5-4BF1-8A60-A80C11AFD335}"/>
+          </ac:spMkLst>
+        </pc:spChg>
+        <pc:spChg chg="del">
+          <ac:chgData name="Park Sunghwan" userId="8cf89178bfa7823e" providerId="LiveId" clId="{DF8DF97F-041A-4D52-96A5-AD7D3C0C0739}" dt="2021-03-11T00:13:32.785" v="549" actId="478"/>
+          <ac:spMkLst>
+            <pc:docMk/>
+            <pc:sldMk cId="2355070503" sldId="259"/>
+            <ac:spMk id="3" creationId="{7E9BA933-25DF-46FB-AFC4-4FBB15A2ED38}"/>
+          </ac:spMkLst>
+        </pc:spChg>
+        <pc:spChg chg="add del mod">
+          <ac:chgData name="Park Sunghwan" userId="8cf89178bfa7823e" providerId="LiveId" clId="{DF8DF97F-041A-4D52-96A5-AD7D3C0C0739}" dt="2021-03-11T00:14:55.196" v="571"/>
+          <ac:spMkLst>
+            <pc:docMk/>
+            <pc:sldMk cId="2355070503" sldId="259"/>
+            <ac:spMk id="5" creationId="{45DAA243-DC32-4D35-82F7-ED3B1F1B5C76}"/>
+          </ac:spMkLst>
+        </pc:spChg>
+        <pc:spChg chg="add mod">
+          <ac:chgData name="Park Sunghwan" userId="8cf89178bfa7823e" providerId="LiveId" clId="{DF8DF97F-041A-4D52-96A5-AD7D3C0C0739}" dt="2021-03-11T00:18:01.731" v="582" actId="14100"/>
+          <ac:spMkLst>
+            <pc:docMk/>
+            <pc:sldMk cId="2355070503" sldId="259"/>
+            <ac:spMk id="7" creationId="{14C86F7B-0ABD-4054-AD0C-50779536ED43}"/>
+          </ac:spMkLst>
+        </pc:spChg>
+        <pc:spChg chg="add mod">
+          <ac:chgData name="Park Sunghwan" userId="8cf89178bfa7823e" providerId="LiveId" clId="{DF8DF97F-041A-4D52-96A5-AD7D3C0C0739}" dt="2021-03-11T00:19:36.954" v="597" actId="14100"/>
+          <ac:spMkLst>
+            <pc:docMk/>
+            <pc:sldMk cId="2355070503" sldId="259"/>
+            <ac:spMk id="8" creationId="{1F35A397-A836-4981-B7E4-4C8855EE0B7D}"/>
+          </ac:spMkLst>
+        </pc:spChg>
+        <pc:spChg chg="add del mod">
+          <ac:chgData name="Park Sunghwan" userId="8cf89178bfa7823e" providerId="LiveId" clId="{DF8DF97F-041A-4D52-96A5-AD7D3C0C0739}" dt="2021-03-11T00:14:55.194" v="569" actId="478"/>
+          <ac:spMkLst>
+            <pc:docMk/>
+            <pc:sldMk cId="2355070503" sldId="259"/>
+            <ac:spMk id="9" creationId="{D498CEAC-C52C-48AE-8C49-2ACF404553FF}"/>
+          </ac:spMkLst>
+        </pc:spChg>
+        <pc:spChg chg="add mod">
+          <ac:chgData name="Park Sunghwan" userId="8cf89178bfa7823e" providerId="LiveId" clId="{DF8DF97F-041A-4D52-96A5-AD7D3C0C0739}" dt="2021-03-11T00:17:59.462" v="581" actId="1076"/>
+          <ac:spMkLst>
+            <pc:docMk/>
+            <pc:sldMk cId="2355070503" sldId="259"/>
+            <ac:spMk id="10" creationId="{BD1C031D-AD7C-4D5F-82A4-8E8611D56AD9}"/>
+          </ac:spMkLst>
+        </pc:spChg>
+        <pc:spChg chg="add mod">
+          <ac:chgData name="Park Sunghwan" userId="8cf89178bfa7823e" providerId="LiveId" clId="{DF8DF97F-041A-4D52-96A5-AD7D3C0C0739}" dt="2021-03-11T00:18:46.357" v="589" actId="1076"/>
+          <ac:spMkLst>
+            <pc:docMk/>
+            <pc:sldMk cId="2355070503" sldId="259"/>
+            <ac:spMk id="11" creationId="{E98FDD38-63AA-4670-9834-FA0DD50AE88E}"/>
+          </ac:spMkLst>
+        </pc:spChg>
+        <pc:spChg chg="add mod">
+          <ac:chgData name="Park Sunghwan" userId="8cf89178bfa7823e" providerId="LiveId" clId="{DF8DF97F-041A-4D52-96A5-AD7D3C0C0739}" dt="2021-03-11T00:18:50.188" v="592" actId="20577"/>
+          <ac:spMkLst>
+            <pc:docMk/>
+            <pc:sldMk cId="2355070503" sldId="259"/>
+            <ac:spMk id="12" creationId="{69E85584-DE6C-476F-87D5-E7E22CCD623D}"/>
+          </ac:spMkLst>
+        </pc:spChg>
+        <pc:picChg chg="add mod">
+          <ac:chgData name="Park Sunghwan" userId="8cf89178bfa7823e" providerId="LiveId" clId="{DF8DF97F-041A-4D52-96A5-AD7D3C0C0739}" dt="2021-03-11T00:17:36.957" v="576" actId="1076"/>
+          <ac:picMkLst>
+            <pc:docMk/>
+            <pc:sldMk cId="2355070503" sldId="259"/>
+            <ac:picMk id="6" creationId="{7FE89C4D-FECA-49D9-BD29-B6BFEF7A8719}"/>
+          </ac:picMkLst>
+        </pc:picChg>
+      </pc:sldChg>
+      <pc:sldChg chg="addSp delSp modSp add mod">
+        <pc:chgData name="Park Sunghwan" userId="8cf89178bfa7823e" providerId="LiveId" clId="{DF8DF97F-041A-4D52-96A5-AD7D3C0C0739}" dt="2021-03-11T02:43:48.492" v="687" actId="1076"/>
+        <pc:sldMkLst>
+          <pc:docMk/>
+          <pc:sldMk cId="3718584886" sldId="260"/>
+        </pc:sldMkLst>
+        <pc:spChg chg="add mod">
+          <ac:chgData name="Park Sunghwan" userId="8cf89178bfa7823e" providerId="LiveId" clId="{DF8DF97F-041A-4D52-96A5-AD7D3C0C0739}" dt="2021-03-11T00:28:44.199" v="622" actId="1076"/>
+          <ac:spMkLst>
+            <pc:docMk/>
+            <pc:sldMk cId="3718584886" sldId="260"/>
+            <ac:spMk id="5" creationId="{A9AF19FC-CFC3-4EBE-A809-052AF28DDE6B}"/>
+          </ac:spMkLst>
+        </pc:spChg>
+        <pc:spChg chg="add del mod">
+          <ac:chgData name="Park Sunghwan" userId="8cf89178bfa7823e" providerId="LiveId" clId="{DF8DF97F-041A-4D52-96A5-AD7D3C0C0739}" dt="2021-03-11T02:43:44.244" v="686" actId="1076"/>
+          <ac:spMkLst>
+            <pc:docMk/>
+            <pc:sldMk cId="3718584886" sldId="260"/>
+            <ac:spMk id="7" creationId="{14C86F7B-0ABD-4054-AD0C-50779536ED43}"/>
+          </ac:spMkLst>
+        </pc:spChg>
+        <pc:spChg chg="mod">
+          <ac:chgData name="Park Sunghwan" userId="8cf89178bfa7823e" providerId="LiveId" clId="{DF8DF97F-041A-4D52-96A5-AD7D3C0C0739}" dt="2021-03-11T00:19:33.841" v="596" actId="14100"/>
+          <ac:spMkLst>
+            <pc:docMk/>
+            <pc:sldMk cId="3718584886" sldId="260"/>
+            <ac:spMk id="8" creationId="{1F35A397-A836-4981-B7E4-4C8855EE0B7D}"/>
+          </ac:spMkLst>
+        </pc:spChg>
+        <pc:spChg chg="add del mod">
+          <ac:chgData name="Park Sunghwan" userId="8cf89178bfa7823e" providerId="LiveId" clId="{DF8DF97F-041A-4D52-96A5-AD7D3C0C0739}" dt="2021-03-11T02:43:48.492" v="687" actId="1076"/>
+          <ac:spMkLst>
+            <pc:docMk/>
+            <pc:sldMk cId="3718584886" sldId="260"/>
+            <ac:spMk id="9" creationId="{8491E773-3B28-4AE6-BE0C-F13619D949F0}"/>
+          </ac:spMkLst>
+        </pc:spChg>
+        <pc:spChg chg="add mod">
+          <ac:chgData name="Park Sunghwan" userId="8cf89178bfa7823e" providerId="LiveId" clId="{DF8DF97F-041A-4D52-96A5-AD7D3C0C0739}" dt="2021-03-11T00:24:32.908" v="600" actId="1076"/>
+          <ac:spMkLst>
+            <pc:docMk/>
+            <pc:sldMk cId="3718584886" sldId="260"/>
+            <ac:spMk id="11" creationId="{1ACC80BF-BAA1-4408-8733-5FC696DFE6EA}"/>
+          </ac:spMkLst>
+        </pc:spChg>
+        <pc:spChg chg="add mod">
+          <ac:chgData name="Park Sunghwan" userId="8cf89178bfa7823e" providerId="LiveId" clId="{DF8DF97F-041A-4D52-96A5-AD7D3C0C0739}" dt="2021-03-11T00:25:01.470" v="604" actId="207"/>
+          <ac:spMkLst>
+            <pc:docMk/>
+            <pc:sldMk cId="3718584886" sldId="260"/>
+            <ac:spMk id="12" creationId="{B6C2ED00-88DE-4E13-AA07-8AA7D889A525}"/>
+          </ac:spMkLst>
+        </pc:spChg>
+        <pc:spChg chg="add mod">
+          <ac:chgData name="Park Sunghwan" userId="8cf89178bfa7823e" providerId="LiveId" clId="{DF8DF97F-041A-4D52-96A5-AD7D3C0C0739}" dt="2021-03-11T00:25:07.124" v="606" actId="1076"/>
+          <ac:spMkLst>
+            <pc:docMk/>
+            <pc:sldMk cId="3718584886" sldId="260"/>
+            <ac:spMk id="13" creationId="{B613C14A-B1EF-49DD-8C92-A12F4D6C132C}"/>
+          </ac:spMkLst>
+        </pc:spChg>
+        <pc:spChg chg="add mod">
+          <ac:chgData name="Park Sunghwan" userId="8cf89178bfa7823e" providerId="LiveId" clId="{DF8DF97F-041A-4D52-96A5-AD7D3C0C0739}" dt="2021-03-11T00:29:58.875" v="626" actId="20577"/>
+          <ac:spMkLst>
+            <pc:docMk/>
+            <pc:sldMk cId="3718584886" sldId="260"/>
+            <ac:spMk id="15" creationId="{9B654ED1-55FA-4BB7-8B80-9DB3568DD49F}"/>
+          </ac:spMkLst>
+        </pc:spChg>
+        <pc:spChg chg="add mod">
+          <ac:chgData name="Park Sunghwan" userId="8cf89178bfa7823e" providerId="LiveId" clId="{DF8DF97F-041A-4D52-96A5-AD7D3C0C0739}" dt="2021-03-11T00:30:21.229" v="635" actId="1076"/>
+          <ac:spMkLst>
+            <pc:docMk/>
+            <pc:sldMk cId="3718584886" sldId="260"/>
+            <ac:spMk id="17" creationId="{EEAA3FEE-A2D9-4BA3-807A-86E052D40F10}"/>
+          </ac:spMkLst>
+        </pc:spChg>
+        <pc:spChg chg="add del mod">
+          <ac:chgData name="Park Sunghwan" userId="8cf89178bfa7823e" providerId="LiveId" clId="{DF8DF97F-041A-4D52-96A5-AD7D3C0C0739}" dt="2021-03-11T02:43:27.622" v="682" actId="478"/>
+          <ac:spMkLst>
+            <pc:docMk/>
+            <pc:sldMk cId="3718584886" sldId="260"/>
+            <ac:spMk id="18" creationId="{EC98F312-0806-4F37-8369-25CC686FB564}"/>
+          </ac:spMkLst>
+        </pc:spChg>
+        <pc:picChg chg="mod">
+          <ac:chgData name="Park Sunghwan" userId="8cf89178bfa7823e" providerId="LiveId" clId="{DF8DF97F-041A-4D52-96A5-AD7D3C0C0739}" dt="2021-03-11T02:43:38.932" v="685" actId="1076"/>
+          <ac:picMkLst>
+            <pc:docMk/>
+            <pc:sldMk cId="3718584886" sldId="260"/>
+            <ac:picMk id="6" creationId="{7FE89C4D-FECA-49D9-BD29-B6BFEF7A8719}"/>
+          </ac:picMkLst>
+        </pc:picChg>
+        <pc:cxnChg chg="add">
+          <ac:chgData name="Park Sunghwan" userId="8cf89178bfa7823e" providerId="LiveId" clId="{DF8DF97F-041A-4D52-96A5-AD7D3C0C0739}" dt="2021-03-11T00:28:21.806" v="607" actId="11529"/>
+          <ac:cxnSpMkLst>
+            <pc:docMk/>
+            <pc:sldMk cId="3718584886" sldId="260"/>
+            <ac:cxnSpMk id="3" creationId="{8CF4982F-DF69-40DD-8365-B3DF6D75E962}"/>
+          </ac:cxnSpMkLst>
+        </pc:cxnChg>
+        <pc:cxnChg chg="add mod">
+          <ac:chgData name="Park Sunghwan" userId="8cf89178bfa7823e" providerId="LiveId" clId="{DF8DF97F-041A-4D52-96A5-AD7D3C0C0739}" dt="2021-03-11T00:28:30.946" v="610" actId="14100"/>
+          <ac:cxnSpMkLst>
+            <pc:docMk/>
+            <pc:sldMk cId="3718584886" sldId="260"/>
+            <ac:cxnSpMk id="14" creationId="{31FA2FF5-A36C-4CAA-AC45-BEFBC4BA8E59}"/>
+          </ac:cxnSpMkLst>
+        </pc:cxnChg>
+        <pc:cxnChg chg="add mod">
+          <ac:chgData name="Park Sunghwan" userId="8cf89178bfa7823e" providerId="LiveId" clId="{DF8DF97F-041A-4D52-96A5-AD7D3C0C0739}" dt="2021-03-11T00:30:16.385" v="631" actId="1076"/>
+          <ac:cxnSpMkLst>
+            <pc:docMk/>
+            <pc:sldMk cId="3718584886" sldId="260"/>
+            <ac:cxnSpMk id="16" creationId="{3A3BA6CA-AD08-4A95-8DB7-0542D2158819}"/>
+          </ac:cxnSpMkLst>
+        </pc:cxnChg>
+      </pc:sldChg>
+    </pc:docChg>
+  </pc:docChgLst>
+</pc:chgInfo>
 </file>
 
 <file path=ppt/slideLayouts/slideLayout1.xml><?xml version="1.0" encoding="utf-8"?>
@@ -254,7 +752,7 @@
           <a:p>
             <a:fld id="{6F017489-201D-42D4-87E8-7427C83EE24B}" type="datetimeFigureOut">
               <a:rPr lang="ko-KR" altLang="en-US" smtClean="0"/>
-              <a:t>2020-12-10</a:t>
+              <a:t>2021-03-10</a:t>
             </a:fld>
             <a:endParaRPr lang="ko-KR" altLang="en-US"/>
           </a:p>
@@ -452,7 +950,7 @@
           <a:p>
             <a:fld id="{6F017489-201D-42D4-87E8-7427C83EE24B}" type="datetimeFigureOut">
               <a:rPr lang="ko-KR" altLang="en-US" smtClean="0"/>
-              <a:t>2020-12-10</a:t>
+              <a:t>2021-03-10</a:t>
             </a:fld>
             <a:endParaRPr lang="ko-KR" altLang="en-US"/>
           </a:p>
@@ -660,7 +1158,7 @@
           <a:p>
             <a:fld id="{6F017489-201D-42D4-87E8-7427C83EE24B}" type="datetimeFigureOut">
               <a:rPr lang="ko-KR" altLang="en-US" smtClean="0"/>
-              <a:t>2020-12-10</a:t>
+              <a:t>2021-03-10</a:t>
             </a:fld>
             <a:endParaRPr lang="ko-KR" altLang="en-US"/>
           </a:p>
@@ -858,7 +1356,7 @@
           <a:p>
             <a:fld id="{6F017489-201D-42D4-87E8-7427C83EE24B}" type="datetimeFigureOut">
               <a:rPr lang="ko-KR" altLang="en-US" smtClean="0"/>
-              <a:t>2020-12-10</a:t>
+              <a:t>2021-03-10</a:t>
             </a:fld>
             <a:endParaRPr lang="ko-KR" altLang="en-US"/>
           </a:p>
@@ -1133,7 +1631,7 @@
           <a:p>
             <a:fld id="{6F017489-201D-42D4-87E8-7427C83EE24B}" type="datetimeFigureOut">
               <a:rPr lang="ko-KR" altLang="en-US" smtClean="0"/>
-              <a:t>2020-12-10</a:t>
+              <a:t>2021-03-10</a:t>
             </a:fld>
             <a:endParaRPr lang="ko-KR" altLang="en-US"/>
           </a:p>
@@ -1398,7 +1896,7 @@
           <a:p>
             <a:fld id="{6F017489-201D-42D4-87E8-7427C83EE24B}" type="datetimeFigureOut">
               <a:rPr lang="ko-KR" altLang="en-US" smtClean="0"/>
-              <a:t>2020-12-10</a:t>
+              <a:t>2021-03-10</a:t>
             </a:fld>
             <a:endParaRPr lang="ko-KR" altLang="en-US"/>
           </a:p>
@@ -1810,7 +2308,7 @@
           <a:p>
             <a:fld id="{6F017489-201D-42D4-87E8-7427C83EE24B}" type="datetimeFigureOut">
               <a:rPr lang="ko-KR" altLang="en-US" smtClean="0"/>
-              <a:t>2020-12-10</a:t>
+              <a:t>2021-03-10</a:t>
             </a:fld>
             <a:endParaRPr lang="ko-KR" altLang="en-US"/>
           </a:p>
@@ -1951,7 +2449,7 @@
           <a:p>
             <a:fld id="{6F017489-201D-42D4-87E8-7427C83EE24B}" type="datetimeFigureOut">
               <a:rPr lang="ko-KR" altLang="en-US" smtClean="0"/>
-              <a:t>2020-12-10</a:t>
+              <a:t>2021-03-10</a:t>
             </a:fld>
             <a:endParaRPr lang="ko-KR" altLang="en-US"/>
           </a:p>
@@ -2064,7 +2562,7 @@
           <a:p>
             <a:fld id="{6F017489-201D-42D4-87E8-7427C83EE24B}" type="datetimeFigureOut">
               <a:rPr lang="ko-KR" altLang="en-US" smtClean="0"/>
-              <a:t>2020-12-10</a:t>
+              <a:t>2021-03-10</a:t>
             </a:fld>
             <a:endParaRPr lang="ko-KR" altLang="en-US"/>
           </a:p>
@@ -2375,7 +2873,7 @@
           <a:p>
             <a:fld id="{6F017489-201D-42D4-87E8-7427C83EE24B}" type="datetimeFigureOut">
               <a:rPr lang="ko-KR" altLang="en-US" smtClean="0"/>
-              <a:t>2020-12-10</a:t>
+              <a:t>2021-03-10</a:t>
             </a:fld>
             <a:endParaRPr lang="ko-KR" altLang="en-US"/>
           </a:p>
@@ -2663,7 +3161,7 @@
           <a:p>
             <a:fld id="{6F017489-201D-42D4-87E8-7427C83EE24B}" type="datetimeFigureOut">
               <a:rPr lang="ko-KR" altLang="en-US" smtClean="0"/>
-              <a:t>2020-12-10</a:t>
+              <a:t>2021-03-10</a:t>
             </a:fld>
             <a:endParaRPr lang="ko-KR" altLang="en-US"/>
           </a:p>
@@ -2904,7 +3402,7 @@
           <a:p>
             <a:fld id="{6F017489-201D-42D4-87E8-7427C83EE24B}" type="datetimeFigureOut">
               <a:rPr lang="ko-KR" altLang="en-US" smtClean="0"/>
-              <a:t>2020-12-10</a:t>
+              <a:t>2021-03-10</a:t>
             </a:fld>
             <a:endParaRPr lang="ko-KR" altLang="en-US"/>
           </a:p>
@@ -3323,10 +3821,10 @@
       </p:grpSpPr>
       <p:sp>
         <p:nvSpPr>
-          <p:cNvPr id="4" name="TextBox 3">
-            <a:extLst>
-              <a:ext uri="{FF2B5EF4-FFF2-40B4-BE49-F238E27FC236}">
-                <a16:creationId xmlns:a16="http://schemas.microsoft.com/office/drawing/2014/main" id="{FCAC34F8-8A0A-4DC4-8B8D-508A08DD7344}"/>
+          <p:cNvPr id="6" name="TextBox 5">
+            <a:extLst>
+              <a:ext uri="{FF2B5EF4-FFF2-40B4-BE49-F238E27FC236}">
+                <a16:creationId xmlns:a16="http://schemas.microsoft.com/office/drawing/2014/main" id="{67EE470E-9AA3-4516-88FB-B8F2D9248AE1}"/>
               </a:ext>
             </a:extLst>
           </p:cNvPr>
@@ -3335,8 +3833,8 @@
         </p:nvSpPr>
         <p:spPr>
           <a:xfrm>
-            <a:off x="1196788" y="618565"/>
-            <a:ext cx="9798424" cy="2092881"/>
+            <a:off x="609600" y="672353"/>
+            <a:ext cx="10452847" cy="3539430"/>
           </a:xfrm>
           <a:prstGeom prst="rect">
             <a:avLst/>
@@ -3350,213 +3848,258 @@
           <a:lstStyle/>
           <a:p>
             <a:r>
-              <a:rPr lang="ko-KR" altLang="en-US" sz="1000" dirty="0"/>
+              <a:rPr lang="en-US" altLang="ko-KR" sz="1400" dirty="0"/>
+              <a:t>### </a:t>
+            </a:r>
+            <a:r>
+              <a:rPr lang="ko-KR" altLang="en-US" sz="1400" dirty="0" err="1"/>
+              <a:t>궁금점</a:t>
+            </a:r>
+            <a:r>
+              <a:rPr lang="ko-KR" altLang="en-US" sz="1400" dirty="0"/>
+              <a:t> </a:t>
+            </a:r>
+            <a:r>
+              <a:rPr lang="en-US" altLang="ko-KR" sz="1400" dirty="0"/>
+              <a:t>###</a:t>
+            </a:r>
+          </a:p>
+          <a:p>
+            <a:endParaRPr lang="en-US" altLang="ko-KR" sz="1400" dirty="0"/>
+          </a:p>
+          <a:p>
+            <a:r>
+              <a:rPr lang="en-US" altLang="ko-KR" sz="1400" dirty="0"/>
+              <a:t>- </a:t>
+            </a:r>
+            <a:r>
+              <a:rPr lang="ko-KR" altLang="en-US" sz="1400" dirty="0"/>
               <a:t>인터럽트 안에서 </a:t>
             </a:r>
             <a:r>
-              <a:rPr lang="en-US" altLang="ko-KR" sz="1000" dirty="0" err="1"/>
+              <a:rPr lang="en-US" altLang="ko-KR" sz="1400" dirty="0" err="1"/>
               <a:t>taskEXIT_CRITICAL</a:t>
             </a:r>
             <a:r>
-              <a:rPr lang="en-US" altLang="ko-KR" sz="1000" dirty="0"/>
+              <a:rPr lang="en-US" altLang="ko-KR" sz="1400" dirty="0"/>
               <a:t>() </a:t>
             </a:r>
             <a:r>
-              <a:rPr lang="ko-KR" altLang="en-US" sz="1000" dirty="0"/>
+              <a:rPr lang="ko-KR" altLang="en-US" sz="1400" dirty="0"/>
               <a:t>사용불가</a:t>
             </a:r>
             <a:r>
-              <a:rPr lang="en-US" altLang="ko-KR" sz="1000" dirty="0"/>
+              <a:rPr lang="en-US" altLang="ko-KR" sz="1400" dirty="0"/>
               <a:t>, </a:t>
             </a:r>
             <a:r>
-              <a:rPr lang="en-US" altLang="ko-KR" sz="1000" dirty="0" err="1"/>
+              <a:rPr lang="en-US" altLang="ko-KR" sz="1400" dirty="0" err="1"/>
               <a:t>taskEXIT_CRITICAL_FROM_ISR</a:t>
             </a:r>
             <a:r>
-              <a:rPr lang="en-US" altLang="ko-KR" sz="1000" dirty="0"/>
+              <a:rPr lang="en-US" altLang="ko-KR" sz="1400" dirty="0"/>
               <a:t> </a:t>
             </a:r>
             <a:r>
-              <a:rPr lang="ko-KR" altLang="en-US" sz="1000" dirty="0"/>
+              <a:rPr lang="ko-KR" altLang="en-US" sz="1400" dirty="0"/>
               <a:t>사용해야 함</a:t>
             </a:r>
-            <a:endParaRPr lang="en-US" altLang="ko-KR" sz="1000" dirty="0"/>
-          </a:p>
-          <a:p>
-            <a:endParaRPr lang="en-US" altLang="ko-KR" sz="1000" dirty="0"/>
-          </a:p>
-          <a:p>
-            <a:r>
-              <a:rPr lang="ko-KR" altLang="en-US" sz="1000" dirty="0"/>
+            <a:endParaRPr lang="en-US" altLang="ko-KR" sz="1400" dirty="0"/>
+          </a:p>
+          <a:p>
+            <a:endParaRPr lang="en-US" altLang="ko-KR" sz="1400" dirty="0"/>
+          </a:p>
+          <a:p>
+            <a:r>
+              <a:rPr lang="en-US" altLang="ko-KR" sz="1400" dirty="0"/>
+              <a:t>- </a:t>
+            </a:r>
+            <a:r>
+              <a:rPr lang="ko-KR" altLang="en-US" sz="1400" dirty="0"/>
               <a:t>인터럽트 구문 안에 </a:t>
             </a:r>
             <a:r>
-              <a:rPr lang="en-US" altLang="ko-KR" sz="1000" dirty="0" err="1"/>
+              <a:rPr lang="en-US" altLang="ko-KR" sz="1400" dirty="0" err="1"/>
               <a:t>fromISR</a:t>
             </a:r>
             <a:r>
-              <a:rPr lang="ko-KR" altLang="en-US" sz="1000" dirty="0"/>
+              <a:rPr lang="ko-KR" altLang="en-US" sz="1400" dirty="0"/>
               <a:t>이 </a:t>
             </a:r>
             <a:r>
-              <a:rPr lang="en-US" altLang="ko-KR" sz="1000" dirty="0" err="1"/>
+              <a:rPr lang="en-US" altLang="ko-KR" sz="1400" dirty="0" err="1"/>
               <a:t>freeRTOS</a:t>
             </a:r>
             <a:r>
-              <a:rPr lang="en-US" altLang="ko-KR" sz="1000" dirty="0"/>
+              <a:rPr lang="en-US" altLang="ko-KR" sz="1400" dirty="0"/>
               <a:t> </a:t>
             </a:r>
             <a:r>
-              <a:rPr lang="en-US" altLang="ko-KR" sz="1000" dirty="0" err="1"/>
+              <a:rPr lang="en-US" altLang="ko-KR" sz="1400" dirty="0" err="1"/>
               <a:t>config.h</a:t>
             </a:r>
             <a:r>
-              <a:rPr lang="ko-KR" altLang="en-US" sz="1000" dirty="0"/>
+              <a:rPr lang="ko-KR" altLang="en-US" sz="1400" dirty="0"/>
               <a:t>에 </a:t>
             </a:r>
             <a:r>
-              <a:rPr lang="en-US" altLang="ko-KR" sz="1000" dirty="0" err="1"/>
+              <a:rPr lang="en-US" altLang="ko-KR" sz="1400" dirty="0" err="1"/>
               <a:t>configLIBRARY_MAX_SYSCALL_INTERRUPT_PRIORITY</a:t>
             </a:r>
             <a:r>
-              <a:rPr lang="en-US" altLang="ko-KR" sz="1000" dirty="0"/>
+              <a:rPr lang="en-US" altLang="ko-KR" sz="1400" dirty="0"/>
               <a:t> 5 </a:t>
             </a:r>
             <a:r>
-              <a:rPr lang="ko-KR" altLang="en-US" sz="1000" dirty="0"/>
+              <a:rPr lang="ko-KR" altLang="en-US" sz="1400" dirty="0"/>
               <a:t>보다 우선순위가 낮아야 동작을 한다</a:t>
             </a:r>
             <a:r>
-              <a:rPr lang="en-US" altLang="ko-KR" sz="1000" dirty="0"/>
+              <a:rPr lang="en-US" altLang="ko-KR" sz="1400" dirty="0"/>
               <a:t>.</a:t>
             </a:r>
           </a:p>
           <a:p>
-            <a:endParaRPr lang="en-US" altLang="ko-KR" sz="1000" dirty="0"/>
-          </a:p>
-          <a:p>
-            <a:r>
-              <a:rPr lang="ko-KR" altLang="en-US" sz="1000" dirty="0"/>
+            <a:endParaRPr lang="en-US" altLang="ko-KR" sz="1400" dirty="0"/>
+          </a:p>
+          <a:p>
+            <a:r>
+              <a:rPr lang="en-US" altLang="ko-KR" sz="1400" dirty="0"/>
+              <a:t>- </a:t>
+            </a:r>
+            <a:r>
+              <a:rPr lang="ko-KR" altLang="en-US" sz="1400" dirty="0"/>
               <a:t>인터럽트에서 </a:t>
             </a:r>
             <a:r>
-              <a:rPr lang="en-US" altLang="ko-KR" sz="1000" dirty="0"/>
+              <a:rPr lang="en-US" altLang="ko-KR" sz="1400" dirty="0"/>
               <a:t>RTOS</a:t>
             </a:r>
             <a:r>
-              <a:rPr lang="ko-KR" altLang="en-US" sz="1000" dirty="0"/>
+              <a:rPr lang="ko-KR" altLang="en-US" sz="1400" dirty="0"/>
               <a:t>에 </a:t>
             </a:r>
             <a:r>
-              <a:rPr lang="en-US" altLang="ko-KR" sz="1000" dirty="0"/>
+              <a:rPr lang="en-US" altLang="ko-KR" sz="1400" dirty="0"/>
               <a:t>Queue</a:t>
             </a:r>
             <a:r>
-              <a:rPr lang="ko-KR" altLang="en-US" sz="1000" dirty="0"/>
+              <a:rPr lang="ko-KR" altLang="en-US" sz="1400" dirty="0"/>
               <a:t>로 바로 문자 넣게 하는게 좋은 방법일까</a:t>
             </a:r>
             <a:r>
-              <a:rPr lang="en-US" altLang="ko-KR" sz="1000" dirty="0"/>
+              <a:rPr lang="en-US" altLang="ko-KR" sz="1400" dirty="0"/>
               <a:t>?</a:t>
             </a:r>
           </a:p>
           <a:p>
-            <a:endParaRPr lang="en-US" altLang="ko-KR" sz="1000" dirty="0"/>
-          </a:p>
-          <a:p>
-            <a:r>
-              <a:rPr lang="ko-KR" altLang="en-US" sz="1000" dirty="0"/>
+            <a:endParaRPr lang="en-US" altLang="ko-KR" sz="1400" dirty="0"/>
+          </a:p>
+          <a:p>
+            <a:r>
+              <a:rPr lang="en-US" altLang="ko-KR" sz="1400" dirty="0"/>
+              <a:t>- </a:t>
+            </a:r>
+            <a:r>
+              <a:rPr lang="ko-KR" altLang="en-US" sz="1400" dirty="0"/>
               <a:t>인터럽트에서 버퍼로 받아서 </a:t>
             </a:r>
             <a:r>
-              <a:rPr lang="ko-KR" altLang="en-US" sz="1000" dirty="0" err="1"/>
+              <a:rPr lang="ko-KR" altLang="en-US" sz="1400" dirty="0" err="1"/>
               <a:t>타임아웃되면</a:t>
             </a:r>
             <a:r>
-              <a:rPr lang="ko-KR" altLang="en-US" sz="1000" dirty="0"/>
+              <a:rPr lang="ko-KR" altLang="en-US" sz="1400" dirty="0"/>
               <a:t> 데이터를 큐에 넣도록 하는게 나을까 인터럽트에 애초에 큐로 바로 넣는게 나을까</a:t>
             </a:r>
             <a:r>
-              <a:rPr lang="en-US" altLang="ko-KR" sz="1000" dirty="0"/>
+              <a:rPr lang="en-US" altLang="ko-KR" sz="1400" dirty="0"/>
               <a:t>?</a:t>
             </a:r>
           </a:p>
           <a:p>
-            <a:endParaRPr lang="en-US" altLang="ko-KR" sz="1000" dirty="0"/>
-          </a:p>
-          <a:p>
-            <a:r>
-              <a:rPr lang="ko-KR" altLang="en-US" sz="1000" dirty="0" err="1"/>
+            <a:endParaRPr lang="en-US" altLang="ko-KR" sz="1400" dirty="0"/>
+          </a:p>
+          <a:p>
+            <a:r>
+              <a:rPr lang="en-US" altLang="ko-KR" sz="1400" dirty="0"/>
+              <a:t>- </a:t>
+            </a:r>
+            <a:r>
+              <a:rPr lang="ko-KR" altLang="en-US" sz="1400" dirty="0" err="1"/>
               <a:t>인터럽스</a:t>
             </a:r>
             <a:r>
-              <a:rPr lang="ko-KR" altLang="en-US" sz="1000" dirty="0"/>
+              <a:rPr lang="ko-KR" altLang="en-US" sz="1400" dirty="0"/>
               <a:t> 서비스 루틴 안에</a:t>
             </a:r>
           </a:p>
           <a:p>
             <a:r>
-              <a:rPr lang="en-US" altLang="ko-KR" sz="1000" dirty="0"/>
-              <a:t>Debug(); </a:t>
-            </a:r>
-            <a:r>
-              <a:rPr lang="ko-KR" altLang="en-US" sz="1000" dirty="0"/>
+              <a:rPr lang="en-US" altLang="ko-KR" sz="1400" dirty="0"/>
+              <a:t>   Debug(); </a:t>
+            </a:r>
+            <a:r>
+              <a:rPr lang="ko-KR" altLang="en-US" sz="1400" dirty="0"/>
               <a:t>하면 </a:t>
             </a:r>
             <a:r>
-              <a:rPr lang="ko-KR" altLang="en-US" sz="1000" dirty="0" err="1"/>
+              <a:rPr lang="ko-KR" altLang="en-US" sz="1400" dirty="0" err="1"/>
               <a:t>멈춰버림</a:t>
             </a:r>
             <a:r>
-              <a:rPr lang="en-US" altLang="ko-KR" sz="1000" dirty="0"/>
+              <a:rPr lang="en-US" altLang="ko-KR" sz="1400" dirty="0"/>
               <a:t>?</a:t>
             </a:r>
           </a:p>
           <a:p>
-            <a:endParaRPr lang="en-US" altLang="ko-KR" sz="1000" dirty="0"/>
-          </a:p>
-          <a:p>
-            <a:r>
-              <a:rPr lang="ko-KR" altLang="en-US" sz="1000" dirty="0" err="1"/>
+            <a:endParaRPr lang="en-US" altLang="ko-KR" sz="1400" dirty="0"/>
+          </a:p>
+          <a:p>
+            <a:r>
+              <a:rPr lang="en-US" altLang="ko-KR" sz="1400" dirty="0"/>
+              <a:t>- </a:t>
+            </a:r>
+            <a:r>
+              <a:rPr lang="ko-KR" altLang="en-US" sz="1400" dirty="0" err="1"/>
               <a:t>링버퍼</a:t>
             </a:r>
             <a:r>
-              <a:rPr lang="ko-KR" altLang="en-US" sz="1000" dirty="0"/>
+              <a:rPr lang="ko-KR" altLang="en-US" sz="1400" dirty="0"/>
               <a:t> 써서 쓰레드에서 받으면 </a:t>
             </a:r>
             <a:r>
-              <a:rPr lang="en-US" altLang="ko-KR" sz="1000" dirty="0" err="1"/>
+              <a:rPr lang="en-US" altLang="ko-KR" sz="1400" dirty="0" err="1"/>
               <a:t>Uart</a:t>
             </a:r>
             <a:r>
-              <a:rPr lang="ko-KR" altLang="en-US" sz="1000" dirty="0"/>
+              <a:rPr lang="ko-KR" altLang="en-US" sz="1400" dirty="0"/>
               <a:t>가 다 </a:t>
             </a:r>
             <a:r>
-              <a:rPr lang="ko-KR" altLang="en-US" sz="1000" dirty="0" err="1"/>
+              <a:rPr lang="ko-KR" altLang="en-US" sz="1400" dirty="0" err="1"/>
               <a:t>못받아지고</a:t>
             </a:r>
             <a:r>
-              <a:rPr lang="ko-KR" altLang="en-US" sz="1000" dirty="0"/>
+              <a:rPr lang="ko-KR" altLang="en-US" sz="1400" dirty="0"/>
               <a:t> </a:t>
             </a:r>
             <a:r>
-              <a:rPr lang="ko-KR" altLang="en-US" sz="1000" dirty="0" err="1"/>
+              <a:rPr lang="ko-KR" altLang="en-US" sz="1400" dirty="0" err="1"/>
               <a:t>짤려서</a:t>
             </a:r>
             <a:r>
-              <a:rPr lang="ko-KR" altLang="en-US" sz="1000" dirty="0"/>
+              <a:rPr lang="ko-KR" altLang="en-US" sz="1400" dirty="0"/>
               <a:t> 받아지는 이유</a:t>
             </a:r>
             <a:r>
-              <a:rPr lang="en-US" altLang="ko-KR" sz="1000" dirty="0"/>
+              <a:rPr lang="en-US" altLang="ko-KR" sz="1400" dirty="0"/>
               <a:t>?</a:t>
             </a:r>
-            <a:endParaRPr lang="ko-KR" altLang="en-US" sz="1000" dirty="0"/>
-          </a:p>
-          <a:p>
-            <a:endParaRPr lang="ko-KR" altLang="en-US" sz="1000" dirty="0"/>
+            <a:endParaRPr lang="ko-KR" altLang="en-US" sz="1400" dirty="0"/>
+          </a:p>
+          <a:p>
+            <a:endParaRPr lang="ko-KR" altLang="en-US" sz="1400" dirty="0"/>
           </a:p>
         </p:txBody>
       </p:sp>
@@ -3564,6 +4107,2171 @@
     <p:extLst>
       <p:ext uri="{BB962C8B-B14F-4D97-AF65-F5344CB8AC3E}">
         <p14:creationId xmlns:p14="http://schemas.microsoft.com/office/powerpoint/2010/main" val="1983085441"/>
+      </p:ext>
+    </p:extLst>
+  </p:cSld>
+  <p:clrMapOvr>
+    <a:masterClrMapping/>
+  </p:clrMapOvr>
+</p:sld>
+</file>
+
+<file path=ppt/slides/slide2.xml><?xml version="1.0" encoding="utf-8"?>
+<p:sld xmlns:a="http://schemas.openxmlformats.org/drawingml/2006/main" xmlns:r="http://schemas.openxmlformats.org/officeDocument/2006/relationships" xmlns:p="http://schemas.openxmlformats.org/presentationml/2006/main">
+  <p:cSld>
+    <p:spTree>
+      <p:nvGrpSpPr>
+        <p:cNvPr id="1" name=""/>
+        <p:cNvGrpSpPr/>
+        <p:nvPr/>
+      </p:nvGrpSpPr>
+      <p:grpSpPr>
+        <a:xfrm>
+          <a:off x="0" y="0"/>
+          <a:ext cx="0" cy="0"/>
+          <a:chOff x="0" y="0"/>
+          <a:chExt cx="0" cy="0"/>
+        </a:xfrm>
+      </p:grpSpPr>
+      <p:sp>
+        <p:nvSpPr>
+          <p:cNvPr id="2" name="TextBox 1">
+            <a:extLst>
+              <a:ext uri="{FF2B5EF4-FFF2-40B4-BE49-F238E27FC236}">
+                <a16:creationId xmlns:a16="http://schemas.microsoft.com/office/drawing/2014/main" id="{BB586F36-A911-4F30-93A2-2435C41FDDFA}"/>
+              </a:ext>
+            </a:extLst>
+          </p:cNvPr>
+          <p:cNvSpPr txBox="1"/>
+          <p:nvPr/>
+        </p:nvSpPr>
+        <p:spPr>
+          <a:xfrm>
+            <a:off x="609600" y="672353"/>
+            <a:ext cx="10452847" cy="2677656"/>
+          </a:xfrm>
+          <a:prstGeom prst="rect">
+            <a:avLst/>
+          </a:prstGeom>
+          <a:noFill/>
+        </p:spPr>
+        <p:txBody>
+          <a:bodyPr wrap="square" rtlCol="0">
+            <a:spAutoFit/>
+          </a:bodyPr>
+          <a:lstStyle/>
+          <a:p>
+            <a:r>
+              <a:rPr lang="en-US" altLang="ko-KR" sz="1400" dirty="0"/>
+              <a:t>### </a:t>
+            </a:r>
+            <a:r>
+              <a:rPr lang="ko-KR" altLang="en-US" sz="1400" dirty="0"/>
+              <a:t>필요한 </a:t>
+            </a:r>
+            <a:r>
+              <a:rPr lang="en-US" altLang="ko-KR" sz="1400" dirty="0"/>
+              <a:t>API ###</a:t>
+            </a:r>
+          </a:p>
+          <a:p>
+            <a:endParaRPr lang="en-US" altLang="ko-KR" sz="1400" dirty="0"/>
+          </a:p>
+          <a:p>
+            <a:r>
+              <a:rPr lang="en-US" altLang="ko-KR" sz="1400" dirty="0" err="1"/>
+              <a:t>FAS_GetSlaveInfo</a:t>
+            </a:r>
+            <a:endParaRPr lang="en-US" altLang="ko-KR" sz="1400" dirty="0"/>
+          </a:p>
+          <a:p>
+            <a:r>
+              <a:rPr lang="en-US" altLang="ko-KR" sz="1400" dirty="0" err="1"/>
+              <a:t>FAS_GetRomParameter</a:t>
+            </a:r>
+            <a:endParaRPr lang="en-US" altLang="ko-KR" sz="1400" dirty="0"/>
+          </a:p>
+          <a:p>
+            <a:r>
+              <a:rPr lang="en-US" altLang="ko-KR" sz="1400" dirty="0" err="1"/>
+              <a:t>FAS_SetParameter</a:t>
+            </a:r>
+            <a:endParaRPr lang="en-US" altLang="ko-KR" sz="1400" dirty="0"/>
+          </a:p>
+          <a:p>
+            <a:r>
+              <a:rPr lang="en-US" altLang="ko-KR" sz="1400" dirty="0" err="1"/>
+              <a:t>FAS_StepEnable</a:t>
+            </a:r>
+            <a:endParaRPr lang="en-US" altLang="ko-KR" sz="1400" dirty="0"/>
+          </a:p>
+          <a:p>
+            <a:r>
+              <a:rPr lang="en-US" altLang="ko-KR" sz="1400" dirty="0" err="1"/>
+              <a:t>FAS_MoveStop</a:t>
+            </a:r>
+            <a:endParaRPr lang="en-US" altLang="ko-KR" sz="1400" dirty="0"/>
+          </a:p>
+          <a:p>
+            <a:r>
+              <a:rPr lang="en-US" altLang="ko-KR" sz="1400" dirty="0" err="1"/>
+              <a:t>FAS_EmergencyStop</a:t>
+            </a:r>
+            <a:endParaRPr lang="en-US" altLang="ko-KR" sz="1400" dirty="0"/>
+          </a:p>
+          <a:p>
+            <a:r>
+              <a:rPr lang="en-US" altLang="ko-KR" sz="1400" dirty="0" err="1"/>
+              <a:t>FAS_MoveSingleAxisAbsPos</a:t>
+            </a:r>
+            <a:r>
+              <a:rPr lang="en-US" altLang="ko-KR" sz="1400" dirty="0"/>
+              <a:t>: </a:t>
+            </a:r>
+            <a:r>
+              <a:rPr lang="ko-KR" altLang="en-US" sz="1400" dirty="0"/>
+              <a:t>절대값 위치만큼 이동</a:t>
+            </a:r>
+            <a:r>
+              <a:rPr lang="en-US" altLang="ko-KR" sz="1400" dirty="0"/>
+              <a:t>/</a:t>
+            </a:r>
+            <a:r>
+              <a:rPr lang="ko-KR" altLang="en-US" sz="1400" dirty="0"/>
+              <a:t>운전속도</a:t>
+            </a:r>
+            <a:endParaRPr lang="en-US" altLang="ko-KR" sz="1400" dirty="0"/>
+          </a:p>
+          <a:p>
+            <a:r>
+              <a:rPr lang="en-US" altLang="ko-KR" sz="1400" dirty="0" err="1"/>
+              <a:t>FAS_MovePause</a:t>
+            </a:r>
+            <a:r>
+              <a:rPr lang="en-US" altLang="ko-KR" sz="1400" dirty="0"/>
+              <a:t>: </a:t>
+            </a:r>
+            <a:r>
+              <a:rPr lang="ko-KR" altLang="en-US" sz="1400" dirty="0"/>
+              <a:t>일시정지</a:t>
+            </a:r>
+            <a:r>
+              <a:rPr lang="en-US" altLang="ko-KR" sz="1400" dirty="0"/>
+              <a:t> </a:t>
+            </a:r>
+          </a:p>
+          <a:p>
+            <a:r>
+              <a:rPr lang="en-US" altLang="ko-KR" sz="1400" dirty="0" err="1"/>
+              <a:t>FAS_MoveVelocity</a:t>
+            </a:r>
+            <a:r>
+              <a:rPr lang="en-US" altLang="ko-KR" sz="1400" dirty="0"/>
+              <a:t>: </a:t>
+            </a:r>
+            <a:r>
+              <a:rPr lang="ko-KR" altLang="en-US" sz="1400" dirty="0"/>
+              <a:t>운전속도</a:t>
+            </a:r>
+            <a:r>
+              <a:rPr lang="en-US" altLang="ko-KR" sz="1400" dirty="0"/>
+              <a:t>/</a:t>
+            </a:r>
+            <a:r>
+              <a:rPr lang="ko-KR" altLang="en-US" sz="1400" dirty="0"/>
+              <a:t>운전방향</a:t>
+            </a:r>
+            <a:endParaRPr lang="en-US" altLang="ko-KR" sz="1400" dirty="0"/>
+          </a:p>
+          <a:p>
+            <a:endParaRPr lang="ko-KR" altLang="en-US" sz="1400" dirty="0"/>
+          </a:p>
+        </p:txBody>
+      </p:sp>
+    </p:spTree>
+    <p:extLst>
+      <p:ext uri="{BB962C8B-B14F-4D97-AF65-F5344CB8AC3E}">
+        <p14:creationId xmlns:p14="http://schemas.microsoft.com/office/powerpoint/2010/main" val="1043660172"/>
+      </p:ext>
+    </p:extLst>
+  </p:cSld>
+  <p:clrMapOvr>
+    <a:masterClrMapping/>
+  </p:clrMapOvr>
+</p:sld>
+</file>
+
+<file path=ppt/slides/slide3.xml><?xml version="1.0" encoding="utf-8"?>
+<p:sld xmlns:a="http://schemas.openxmlformats.org/drawingml/2006/main" xmlns:r="http://schemas.openxmlformats.org/officeDocument/2006/relationships" xmlns:p="http://schemas.openxmlformats.org/presentationml/2006/main">
+  <p:cSld>
+    <p:spTree>
+      <p:nvGrpSpPr>
+        <p:cNvPr id="1" name=""/>
+        <p:cNvGrpSpPr/>
+        <p:nvPr/>
+      </p:nvGrpSpPr>
+      <p:grpSpPr>
+        <a:xfrm>
+          <a:off x="0" y="0"/>
+          <a:ext cx="0" cy="0"/>
+          <a:chOff x="0" y="0"/>
+          <a:chExt cx="0" cy="0"/>
+        </a:xfrm>
+      </p:grpSpPr>
+      <p:sp>
+        <p:nvSpPr>
+          <p:cNvPr id="2" name="TextBox 1">
+            <a:extLst>
+              <a:ext uri="{FF2B5EF4-FFF2-40B4-BE49-F238E27FC236}">
+                <a16:creationId xmlns:a16="http://schemas.microsoft.com/office/drawing/2014/main" id="{BB586F36-A911-4F30-93A2-2435C41FDDFA}"/>
+              </a:ext>
+            </a:extLst>
+          </p:cNvPr>
+          <p:cNvSpPr txBox="1"/>
+          <p:nvPr/>
+        </p:nvSpPr>
+        <p:spPr>
+          <a:xfrm>
+            <a:off x="609600" y="672353"/>
+            <a:ext cx="10452847" cy="954107"/>
+          </a:xfrm>
+          <a:prstGeom prst="rect">
+            <a:avLst/>
+          </a:prstGeom>
+          <a:noFill/>
+        </p:spPr>
+        <p:txBody>
+          <a:bodyPr wrap="square" rtlCol="0">
+            <a:spAutoFit/>
+          </a:bodyPr>
+          <a:lstStyle/>
+          <a:p>
+            <a:r>
+              <a:rPr lang="en-US" altLang="ko-KR" sz="1400" dirty="0"/>
+              <a:t>### BLOCK DIAGRAM ###</a:t>
+            </a:r>
+          </a:p>
+          <a:p>
+            <a:endParaRPr lang="en-US" altLang="ko-KR" sz="1400" dirty="0"/>
+          </a:p>
+          <a:p>
+            <a:endParaRPr lang="en-US" altLang="ko-KR" sz="1400" dirty="0"/>
+          </a:p>
+          <a:p>
+            <a:endParaRPr lang="ko-KR" altLang="en-US" sz="1400" dirty="0"/>
+          </a:p>
+        </p:txBody>
+      </p:sp>
+      <p:grpSp>
+        <p:nvGrpSpPr>
+          <p:cNvPr id="26" name="그룹 25">
+            <a:extLst>
+              <a:ext uri="{FF2B5EF4-FFF2-40B4-BE49-F238E27FC236}">
+                <a16:creationId xmlns:a16="http://schemas.microsoft.com/office/drawing/2014/main" id="{4FCDBF90-CADA-4EE6-809A-06AEDEBEBE56}"/>
+              </a:ext>
+            </a:extLst>
+          </p:cNvPr>
+          <p:cNvGrpSpPr/>
+          <p:nvPr/>
+        </p:nvGrpSpPr>
+        <p:grpSpPr>
+          <a:xfrm>
+            <a:off x="1381664" y="2066549"/>
+            <a:ext cx="9428672" cy="1828803"/>
+            <a:chOff x="819509" y="1371597"/>
+            <a:chExt cx="7694765" cy="1095558"/>
+          </a:xfrm>
+        </p:grpSpPr>
+        <p:sp>
+          <p:nvSpPr>
+            <p:cNvPr id="3" name="직사각형 2">
+              <a:extLst>
+                <a:ext uri="{FF2B5EF4-FFF2-40B4-BE49-F238E27FC236}">
+                  <a16:creationId xmlns:a16="http://schemas.microsoft.com/office/drawing/2014/main" id="{CA3BB9D5-E397-40D9-A9E6-6DE62B096AAE}"/>
+                </a:ext>
+              </a:extLst>
+            </p:cNvPr>
+            <p:cNvSpPr/>
+            <p:nvPr/>
+          </p:nvSpPr>
+          <p:spPr>
+            <a:xfrm>
+              <a:off x="819509" y="1371600"/>
+              <a:ext cx="1414733" cy="1095555"/>
+            </a:xfrm>
+            <a:prstGeom prst="rect">
+              <a:avLst/>
+            </a:prstGeom>
+            <a:noFill/>
+          </p:spPr>
+          <p:style>
+            <a:lnRef idx="2">
+              <a:schemeClr val="accent1">
+                <a:shade val="50000"/>
+              </a:schemeClr>
+            </a:lnRef>
+            <a:fillRef idx="1">
+              <a:schemeClr val="accent1"/>
+            </a:fillRef>
+            <a:effectRef idx="0">
+              <a:schemeClr val="accent1"/>
+            </a:effectRef>
+            <a:fontRef idx="minor">
+              <a:schemeClr val="lt1"/>
+            </a:fontRef>
+          </p:style>
+          <p:txBody>
+            <a:bodyPr rtlCol="0" anchor="ctr"/>
+            <a:lstStyle/>
+            <a:p>
+              <a:pPr algn="ctr"/>
+              <a:r>
+                <a:rPr lang="en-US" altLang="ko-KR" dirty="0">
+                  <a:solidFill>
+                    <a:schemeClr val="tx1"/>
+                  </a:solidFill>
+                </a:rPr>
+                <a:t>PC</a:t>
+              </a:r>
+              <a:endParaRPr lang="ko-KR" altLang="en-US" dirty="0">
+                <a:solidFill>
+                  <a:schemeClr val="tx1"/>
+                </a:solidFill>
+              </a:endParaRPr>
+            </a:p>
+          </p:txBody>
+        </p:sp>
+        <p:sp>
+          <p:nvSpPr>
+            <p:cNvPr id="5" name="직사각형 4">
+              <a:extLst>
+                <a:ext uri="{FF2B5EF4-FFF2-40B4-BE49-F238E27FC236}">
+                  <a16:creationId xmlns:a16="http://schemas.microsoft.com/office/drawing/2014/main" id="{12E6703E-E83C-4D5A-8ED8-1B04D5D80846}"/>
+                </a:ext>
+              </a:extLst>
+            </p:cNvPr>
+            <p:cNvSpPr/>
+            <p:nvPr/>
+          </p:nvSpPr>
+          <p:spPr>
+            <a:xfrm>
+              <a:off x="2895600" y="1371599"/>
+              <a:ext cx="1414733" cy="1095555"/>
+            </a:xfrm>
+            <a:prstGeom prst="rect">
+              <a:avLst/>
+            </a:prstGeom>
+            <a:noFill/>
+          </p:spPr>
+          <p:style>
+            <a:lnRef idx="2">
+              <a:schemeClr val="accent1">
+                <a:shade val="50000"/>
+              </a:schemeClr>
+            </a:lnRef>
+            <a:fillRef idx="1">
+              <a:schemeClr val="accent1"/>
+            </a:fillRef>
+            <a:effectRef idx="0">
+              <a:schemeClr val="accent1"/>
+            </a:effectRef>
+            <a:fontRef idx="minor">
+              <a:schemeClr val="lt1"/>
+            </a:fontRef>
+          </p:style>
+          <p:txBody>
+            <a:bodyPr rtlCol="0" anchor="ctr"/>
+            <a:lstStyle/>
+            <a:p>
+              <a:pPr algn="ctr"/>
+              <a:r>
+                <a:rPr lang="en-US" altLang="ko-KR" dirty="0">
+                  <a:solidFill>
+                    <a:schemeClr val="tx1"/>
+                  </a:solidFill>
+                </a:rPr>
+                <a:t>MCU</a:t>
+              </a:r>
+              <a:endParaRPr lang="ko-KR" altLang="en-US" dirty="0">
+                <a:solidFill>
+                  <a:schemeClr val="tx1"/>
+                </a:solidFill>
+              </a:endParaRPr>
+            </a:p>
+          </p:txBody>
+        </p:sp>
+        <p:sp>
+          <p:nvSpPr>
+            <p:cNvPr id="6" name="직사각형 5">
+              <a:extLst>
+                <a:ext uri="{FF2B5EF4-FFF2-40B4-BE49-F238E27FC236}">
+                  <a16:creationId xmlns:a16="http://schemas.microsoft.com/office/drawing/2014/main" id="{C1D5B07C-A36E-4A08-ACE9-29A1A2F56DF6}"/>
+                </a:ext>
+              </a:extLst>
+            </p:cNvPr>
+            <p:cNvSpPr/>
+            <p:nvPr/>
+          </p:nvSpPr>
+          <p:spPr>
+            <a:xfrm>
+              <a:off x="5023450" y="1371598"/>
+              <a:ext cx="1414733" cy="1095555"/>
+            </a:xfrm>
+            <a:prstGeom prst="rect">
+              <a:avLst/>
+            </a:prstGeom>
+            <a:noFill/>
+          </p:spPr>
+          <p:style>
+            <a:lnRef idx="2">
+              <a:schemeClr val="accent1">
+                <a:shade val="50000"/>
+              </a:schemeClr>
+            </a:lnRef>
+            <a:fillRef idx="1">
+              <a:schemeClr val="accent1"/>
+            </a:fillRef>
+            <a:effectRef idx="0">
+              <a:schemeClr val="accent1"/>
+            </a:effectRef>
+            <a:fontRef idx="minor">
+              <a:schemeClr val="lt1"/>
+            </a:fontRef>
+          </p:style>
+          <p:txBody>
+            <a:bodyPr rtlCol="0" anchor="ctr"/>
+            <a:lstStyle/>
+            <a:p>
+              <a:pPr algn="ctr"/>
+              <a:r>
+                <a:rPr lang="en-US" altLang="ko-KR" dirty="0">
+                  <a:solidFill>
+                    <a:schemeClr val="tx1"/>
+                  </a:solidFill>
+                </a:rPr>
+                <a:t>DRIVER</a:t>
+              </a:r>
+              <a:endParaRPr lang="ko-KR" altLang="en-US" dirty="0">
+                <a:solidFill>
+                  <a:schemeClr val="tx1"/>
+                </a:solidFill>
+              </a:endParaRPr>
+            </a:p>
+          </p:txBody>
+        </p:sp>
+        <p:sp>
+          <p:nvSpPr>
+            <p:cNvPr id="7" name="직사각형 6">
+              <a:extLst>
+                <a:ext uri="{FF2B5EF4-FFF2-40B4-BE49-F238E27FC236}">
+                  <a16:creationId xmlns:a16="http://schemas.microsoft.com/office/drawing/2014/main" id="{ECB43926-4D76-4AF8-9666-0B02928B3EC3}"/>
+                </a:ext>
+              </a:extLst>
+            </p:cNvPr>
+            <p:cNvSpPr/>
+            <p:nvPr/>
+          </p:nvSpPr>
+          <p:spPr>
+            <a:xfrm>
+              <a:off x="7099541" y="1371597"/>
+              <a:ext cx="1414733" cy="1095555"/>
+            </a:xfrm>
+            <a:prstGeom prst="rect">
+              <a:avLst/>
+            </a:prstGeom>
+            <a:noFill/>
+          </p:spPr>
+          <p:style>
+            <a:lnRef idx="2">
+              <a:schemeClr val="accent1">
+                <a:shade val="50000"/>
+              </a:schemeClr>
+            </a:lnRef>
+            <a:fillRef idx="1">
+              <a:schemeClr val="accent1"/>
+            </a:fillRef>
+            <a:effectRef idx="0">
+              <a:schemeClr val="accent1"/>
+            </a:effectRef>
+            <a:fontRef idx="minor">
+              <a:schemeClr val="lt1"/>
+            </a:fontRef>
+          </p:style>
+          <p:txBody>
+            <a:bodyPr rtlCol="0" anchor="ctr"/>
+            <a:lstStyle/>
+            <a:p>
+              <a:pPr algn="ctr"/>
+              <a:r>
+                <a:rPr lang="en-US" altLang="ko-KR" dirty="0">
+                  <a:solidFill>
+                    <a:schemeClr val="tx1"/>
+                  </a:solidFill>
+                </a:rPr>
+                <a:t>MOTOR</a:t>
+              </a:r>
+              <a:endParaRPr lang="ko-KR" altLang="en-US" dirty="0">
+                <a:solidFill>
+                  <a:schemeClr val="tx1"/>
+                </a:solidFill>
+              </a:endParaRPr>
+            </a:p>
+          </p:txBody>
+        </p:sp>
+        <p:cxnSp>
+          <p:nvCxnSpPr>
+            <p:cNvPr id="9" name="직선 화살표 연결선 8">
+              <a:extLst>
+                <a:ext uri="{FF2B5EF4-FFF2-40B4-BE49-F238E27FC236}">
+                  <a16:creationId xmlns:a16="http://schemas.microsoft.com/office/drawing/2014/main" id="{480ED38F-281F-483A-ACBD-2D6D04E06AD7}"/>
+                </a:ext>
+              </a:extLst>
+            </p:cNvPr>
+            <p:cNvCxnSpPr>
+              <a:cxnSpLocks/>
+            </p:cNvCxnSpPr>
+            <p:nvPr/>
+          </p:nvCxnSpPr>
+          <p:spPr>
+            <a:xfrm flipV="1">
+              <a:off x="2234242" y="1639396"/>
+              <a:ext cx="661358" cy="1"/>
+            </a:xfrm>
+            <a:prstGeom prst="straightConnector1">
+              <a:avLst/>
+            </a:prstGeom>
+            <a:ln>
+              <a:tailEnd type="triangle"/>
+            </a:ln>
+          </p:spPr>
+          <p:style>
+            <a:lnRef idx="1">
+              <a:schemeClr val="accent1"/>
+            </a:lnRef>
+            <a:fillRef idx="0">
+              <a:schemeClr val="accent1"/>
+            </a:fillRef>
+            <a:effectRef idx="0">
+              <a:schemeClr val="accent1"/>
+            </a:effectRef>
+            <a:fontRef idx="minor">
+              <a:schemeClr val="tx1"/>
+            </a:fontRef>
+          </p:style>
+        </p:cxnSp>
+        <p:cxnSp>
+          <p:nvCxnSpPr>
+            <p:cNvPr id="11" name="직선 화살표 연결선 10">
+              <a:extLst>
+                <a:ext uri="{FF2B5EF4-FFF2-40B4-BE49-F238E27FC236}">
+                  <a16:creationId xmlns:a16="http://schemas.microsoft.com/office/drawing/2014/main" id="{7B7A89F3-4656-451F-80D1-44FF2AFCE049}"/>
+                </a:ext>
+              </a:extLst>
+            </p:cNvPr>
+            <p:cNvCxnSpPr>
+              <a:cxnSpLocks/>
+            </p:cNvCxnSpPr>
+            <p:nvPr/>
+          </p:nvCxnSpPr>
+          <p:spPr>
+            <a:xfrm flipV="1">
+              <a:off x="4318960" y="1652332"/>
+              <a:ext cx="713117" cy="1"/>
+            </a:xfrm>
+            <a:prstGeom prst="straightConnector1">
+              <a:avLst/>
+            </a:prstGeom>
+            <a:ln>
+              <a:tailEnd type="triangle"/>
+            </a:ln>
+          </p:spPr>
+          <p:style>
+            <a:lnRef idx="1">
+              <a:schemeClr val="accent1"/>
+            </a:lnRef>
+            <a:fillRef idx="0">
+              <a:schemeClr val="accent1"/>
+            </a:fillRef>
+            <a:effectRef idx="0">
+              <a:schemeClr val="accent1"/>
+            </a:effectRef>
+            <a:fontRef idx="minor">
+              <a:schemeClr val="tx1"/>
+            </a:fontRef>
+          </p:style>
+        </p:cxnSp>
+        <p:cxnSp>
+          <p:nvCxnSpPr>
+            <p:cNvPr id="14" name="직선 화살표 연결선 13">
+              <a:extLst>
+                <a:ext uri="{FF2B5EF4-FFF2-40B4-BE49-F238E27FC236}">
+                  <a16:creationId xmlns:a16="http://schemas.microsoft.com/office/drawing/2014/main" id="{8C58BA80-B073-4960-99D2-E4D46095F901}"/>
+                </a:ext>
+              </a:extLst>
+            </p:cNvPr>
+            <p:cNvCxnSpPr>
+              <a:cxnSpLocks/>
+            </p:cNvCxnSpPr>
+            <p:nvPr/>
+          </p:nvCxnSpPr>
+          <p:spPr>
+            <a:xfrm flipV="1">
+              <a:off x="6438183" y="1652332"/>
+              <a:ext cx="661358" cy="1"/>
+            </a:xfrm>
+            <a:prstGeom prst="straightConnector1">
+              <a:avLst/>
+            </a:prstGeom>
+            <a:ln>
+              <a:tailEnd type="triangle"/>
+            </a:ln>
+          </p:spPr>
+          <p:style>
+            <a:lnRef idx="1">
+              <a:schemeClr val="accent1"/>
+            </a:lnRef>
+            <a:fillRef idx="0">
+              <a:schemeClr val="accent1"/>
+            </a:fillRef>
+            <a:effectRef idx="0">
+              <a:schemeClr val="accent1"/>
+            </a:effectRef>
+            <a:fontRef idx="minor">
+              <a:schemeClr val="tx1"/>
+            </a:fontRef>
+          </p:style>
+        </p:cxnSp>
+        <p:cxnSp>
+          <p:nvCxnSpPr>
+            <p:cNvPr id="17" name="직선 화살표 연결선 16">
+              <a:extLst>
+                <a:ext uri="{FF2B5EF4-FFF2-40B4-BE49-F238E27FC236}">
+                  <a16:creationId xmlns:a16="http://schemas.microsoft.com/office/drawing/2014/main" id="{71FDE307-FFC4-4727-AC19-40DDB3BB3B1C}"/>
+                </a:ext>
+              </a:extLst>
+            </p:cNvPr>
+            <p:cNvCxnSpPr>
+              <a:cxnSpLocks/>
+            </p:cNvCxnSpPr>
+            <p:nvPr/>
+          </p:nvCxnSpPr>
+          <p:spPr>
+            <a:xfrm flipH="1">
+              <a:off x="4318960" y="2110596"/>
+              <a:ext cx="704490" cy="0"/>
+            </a:xfrm>
+            <a:prstGeom prst="straightConnector1">
+              <a:avLst/>
+            </a:prstGeom>
+            <a:ln>
+              <a:tailEnd type="triangle"/>
+            </a:ln>
+          </p:spPr>
+          <p:style>
+            <a:lnRef idx="1">
+              <a:schemeClr val="accent1"/>
+            </a:lnRef>
+            <a:fillRef idx="0">
+              <a:schemeClr val="accent1"/>
+            </a:fillRef>
+            <a:effectRef idx="0">
+              <a:schemeClr val="accent1"/>
+            </a:effectRef>
+            <a:fontRef idx="minor">
+              <a:schemeClr val="tx1"/>
+            </a:fontRef>
+          </p:style>
+        </p:cxnSp>
+        <p:cxnSp>
+          <p:nvCxnSpPr>
+            <p:cNvPr id="18" name="직선 화살표 연결선 17">
+              <a:extLst>
+                <a:ext uri="{FF2B5EF4-FFF2-40B4-BE49-F238E27FC236}">
+                  <a16:creationId xmlns:a16="http://schemas.microsoft.com/office/drawing/2014/main" id="{6F81520E-6B2A-463D-A609-7E82FDBD5820}"/>
+                </a:ext>
+              </a:extLst>
+            </p:cNvPr>
+            <p:cNvCxnSpPr/>
+            <p:nvPr/>
+          </p:nvCxnSpPr>
+          <p:spPr>
+            <a:xfrm flipH="1">
+              <a:off x="2234242" y="2093343"/>
+              <a:ext cx="661358" cy="0"/>
+            </a:xfrm>
+            <a:prstGeom prst="straightConnector1">
+              <a:avLst/>
+            </a:prstGeom>
+            <a:ln>
+              <a:tailEnd type="triangle"/>
+            </a:ln>
+          </p:spPr>
+          <p:style>
+            <a:lnRef idx="1">
+              <a:schemeClr val="accent1"/>
+            </a:lnRef>
+            <a:fillRef idx="0">
+              <a:schemeClr val="accent1"/>
+            </a:fillRef>
+            <a:effectRef idx="0">
+              <a:schemeClr val="accent1"/>
+            </a:effectRef>
+            <a:fontRef idx="minor">
+              <a:schemeClr val="tx1"/>
+            </a:fontRef>
+          </p:style>
+        </p:cxnSp>
+      </p:grpSp>
+      <p:sp>
+        <p:nvSpPr>
+          <p:cNvPr id="20" name="TextBox 19">
+            <a:extLst>
+              <a:ext uri="{FF2B5EF4-FFF2-40B4-BE49-F238E27FC236}">
+                <a16:creationId xmlns:a16="http://schemas.microsoft.com/office/drawing/2014/main" id="{C683F365-7F3A-44EB-9655-E68B6190E5F8}"/>
+              </a:ext>
+            </a:extLst>
+          </p:cNvPr>
+          <p:cNvSpPr txBox="1"/>
+          <p:nvPr/>
+        </p:nvSpPr>
+        <p:spPr>
+          <a:xfrm>
+            <a:off x="3115187" y="2190126"/>
+            <a:ext cx="1184694" cy="246221"/>
+          </a:xfrm>
+          <a:prstGeom prst="rect">
+            <a:avLst/>
+          </a:prstGeom>
+          <a:noFill/>
+        </p:spPr>
+        <p:txBody>
+          <a:bodyPr wrap="square" rtlCol="0">
+            <a:spAutoFit/>
+          </a:bodyPr>
+          <a:lstStyle/>
+          <a:p>
+            <a:r>
+              <a:rPr lang="ko-KR" altLang="en-US" sz="1000" dirty="0"/>
+              <a:t>송신</a:t>
+            </a:r>
+            <a:r>
+              <a:rPr lang="en-US" altLang="ko-KR" sz="1000" dirty="0"/>
+              <a:t>Packet</a:t>
+            </a:r>
+            <a:endParaRPr lang="ko-KR" altLang="en-US" sz="1000" dirty="0"/>
+          </a:p>
+        </p:txBody>
+      </p:sp>
+      <p:sp>
+        <p:nvSpPr>
+          <p:cNvPr id="27" name="TextBox 26">
+            <a:extLst>
+              <a:ext uri="{FF2B5EF4-FFF2-40B4-BE49-F238E27FC236}">
+                <a16:creationId xmlns:a16="http://schemas.microsoft.com/office/drawing/2014/main" id="{BB243FB5-8933-44BB-942D-D8CD2CC796F3}"/>
+              </a:ext>
+            </a:extLst>
+          </p:cNvPr>
+          <p:cNvSpPr txBox="1"/>
+          <p:nvPr/>
+        </p:nvSpPr>
+        <p:spPr>
+          <a:xfrm>
+            <a:off x="3115187" y="2914279"/>
+            <a:ext cx="1184694" cy="246221"/>
+          </a:xfrm>
+          <a:prstGeom prst="rect">
+            <a:avLst/>
+          </a:prstGeom>
+          <a:noFill/>
+        </p:spPr>
+        <p:txBody>
+          <a:bodyPr wrap="square" rtlCol="0">
+            <a:spAutoFit/>
+          </a:bodyPr>
+          <a:lstStyle/>
+          <a:p>
+            <a:r>
+              <a:rPr lang="ko-KR" altLang="en-US" sz="1000" dirty="0"/>
+              <a:t>수신</a:t>
+            </a:r>
+            <a:r>
+              <a:rPr lang="en-US" altLang="ko-KR" sz="1000" dirty="0"/>
+              <a:t>Packet</a:t>
+            </a:r>
+            <a:endParaRPr lang="ko-KR" altLang="en-US" sz="1000" dirty="0"/>
+          </a:p>
+        </p:txBody>
+      </p:sp>
+      <p:sp>
+        <p:nvSpPr>
+          <p:cNvPr id="28" name="TextBox 27">
+            <a:extLst>
+              <a:ext uri="{FF2B5EF4-FFF2-40B4-BE49-F238E27FC236}">
+                <a16:creationId xmlns:a16="http://schemas.microsoft.com/office/drawing/2014/main" id="{8E4D0FBE-5E12-4F24-BDF7-4DD457D58A42}"/>
+              </a:ext>
+            </a:extLst>
+          </p:cNvPr>
+          <p:cNvSpPr txBox="1"/>
+          <p:nvPr/>
+        </p:nvSpPr>
+        <p:spPr>
+          <a:xfrm>
+            <a:off x="5659096" y="2190126"/>
+            <a:ext cx="1184694" cy="246221"/>
+          </a:xfrm>
+          <a:prstGeom prst="rect">
+            <a:avLst/>
+          </a:prstGeom>
+          <a:noFill/>
+        </p:spPr>
+        <p:txBody>
+          <a:bodyPr wrap="square" rtlCol="0">
+            <a:spAutoFit/>
+          </a:bodyPr>
+          <a:lstStyle/>
+          <a:p>
+            <a:r>
+              <a:rPr lang="ko-KR" altLang="en-US" sz="1000" dirty="0"/>
+              <a:t>송신</a:t>
+            </a:r>
+            <a:r>
+              <a:rPr lang="en-US" altLang="ko-KR" sz="1000" dirty="0"/>
+              <a:t>Packet</a:t>
+            </a:r>
+            <a:endParaRPr lang="ko-KR" altLang="en-US" sz="1000" dirty="0"/>
+          </a:p>
+        </p:txBody>
+      </p:sp>
+      <p:sp>
+        <p:nvSpPr>
+          <p:cNvPr id="30" name="TextBox 29">
+            <a:extLst>
+              <a:ext uri="{FF2B5EF4-FFF2-40B4-BE49-F238E27FC236}">
+                <a16:creationId xmlns:a16="http://schemas.microsoft.com/office/drawing/2014/main" id="{868A67AE-EEB1-4A9C-A7FF-BA122AC25873}"/>
+              </a:ext>
+            </a:extLst>
+          </p:cNvPr>
+          <p:cNvSpPr txBox="1"/>
+          <p:nvPr/>
+        </p:nvSpPr>
+        <p:spPr>
+          <a:xfrm>
+            <a:off x="8421702" y="2190126"/>
+            <a:ext cx="1184694" cy="246221"/>
+          </a:xfrm>
+          <a:prstGeom prst="rect">
+            <a:avLst/>
+          </a:prstGeom>
+          <a:noFill/>
+        </p:spPr>
+        <p:txBody>
+          <a:bodyPr wrap="square" rtlCol="0">
+            <a:spAutoFit/>
+          </a:bodyPr>
+          <a:lstStyle/>
+          <a:p>
+            <a:r>
+              <a:rPr lang="en-US" altLang="ko-KR" sz="1000" dirty="0"/>
+              <a:t>Signal</a:t>
+            </a:r>
+            <a:endParaRPr lang="ko-KR" altLang="en-US" sz="1000" dirty="0"/>
+          </a:p>
+        </p:txBody>
+      </p:sp>
+      <p:sp>
+        <p:nvSpPr>
+          <p:cNvPr id="31" name="TextBox 30">
+            <a:extLst>
+              <a:ext uri="{FF2B5EF4-FFF2-40B4-BE49-F238E27FC236}">
+                <a16:creationId xmlns:a16="http://schemas.microsoft.com/office/drawing/2014/main" id="{D83E584E-0B56-461F-8A10-6BBAB771A0B1}"/>
+              </a:ext>
+            </a:extLst>
+          </p:cNvPr>
+          <p:cNvSpPr txBox="1"/>
+          <p:nvPr/>
+        </p:nvSpPr>
+        <p:spPr>
+          <a:xfrm>
+            <a:off x="5694469" y="2955099"/>
+            <a:ext cx="1184694" cy="246221"/>
+          </a:xfrm>
+          <a:prstGeom prst="rect">
+            <a:avLst/>
+          </a:prstGeom>
+          <a:noFill/>
+        </p:spPr>
+        <p:txBody>
+          <a:bodyPr wrap="square" rtlCol="0">
+            <a:spAutoFit/>
+          </a:bodyPr>
+          <a:lstStyle/>
+          <a:p>
+            <a:r>
+              <a:rPr lang="ko-KR" altLang="en-US" sz="1000" dirty="0"/>
+              <a:t>수신</a:t>
+            </a:r>
+            <a:r>
+              <a:rPr lang="en-US" altLang="ko-KR" sz="1000" dirty="0"/>
+              <a:t>Packet</a:t>
+            </a:r>
+            <a:endParaRPr lang="ko-KR" altLang="en-US" sz="1000" dirty="0"/>
+          </a:p>
+        </p:txBody>
+      </p:sp>
+      <p:sp>
+        <p:nvSpPr>
+          <p:cNvPr id="32" name="타원 31">
+            <a:extLst>
+              <a:ext uri="{FF2B5EF4-FFF2-40B4-BE49-F238E27FC236}">
+                <a16:creationId xmlns:a16="http://schemas.microsoft.com/office/drawing/2014/main" id="{6E6A1882-5DBE-4FB8-A234-29034302520B}"/>
+              </a:ext>
+            </a:extLst>
+          </p:cNvPr>
+          <p:cNvSpPr/>
+          <p:nvPr/>
+        </p:nvSpPr>
+        <p:spPr>
+          <a:xfrm>
+            <a:off x="3347049" y="1852306"/>
+            <a:ext cx="250166" cy="250166"/>
+          </a:xfrm>
+          <a:prstGeom prst="ellipse">
+            <a:avLst/>
+          </a:prstGeom>
+          <a:noFill/>
+          <a:ln>
+            <a:solidFill>
+              <a:srgbClr val="FF0000"/>
+            </a:solidFill>
+          </a:ln>
+        </p:spPr>
+        <p:style>
+          <a:lnRef idx="2">
+            <a:schemeClr val="accent1">
+              <a:shade val="50000"/>
+            </a:schemeClr>
+          </a:lnRef>
+          <a:fillRef idx="1">
+            <a:schemeClr val="accent1"/>
+          </a:fillRef>
+          <a:effectRef idx="0">
+            <a:schemeClr val="accent1"/>
+          </a:effectRef>
+          <a:fontRef idx="minor">
+            <a:schemeClr val="lt1"/>
+          </a:fontRef>
+        </p:style>
+        <p:txBody>
+          <a:bodyPr rtlCol="0" anchor="ctr"/>
+          <a:lstStyle/>
+          <a:p>
+            <a:pPr algn="ctr"/>
+            <a:r>
+              <a:rPr lang="en-US" altLang="ko-KR" sz="1000" dirty="0">
+                <a:solidFill>
+                  <a:srgbClr val="FF0000"/>
+                </a:solidFill>
+              </a:rPr>
+              <a:t>1</a:t>
+            </a:r>
+            <a:endParaRPr lang="ko-KR" altLang="en-US" sz="1000" dirty="0">
+              <a:solidFill>
+                <a:srgbClr val="FF0000"/>
+              </a:solidFill>
+            </a:endParaRPr>
+          </a:p>
+        </p:txBody>
+      </p:sp>
+      <p:sp>
+        <p:nvSpPr>
+          <p:cNvPr id="34" name="타원 33">
+            <a:extLst>
+              <a:ext uri="{FF2B5EF4-FFF2-40B4-BE49-F238E27FC236}">
+                <a16:creationId xmlns:a16="http://schemas.microsoft.com/office/drawing/2014/main" id="{0A13942C-4CD4-4F3A-A2CD-539CE05B75B3}"/>
+              </a:ext>
+            </a:extLst>
+          </p:cNvPr>
+          <p:cNvSpPr/>
+          <p:nvPr/>
+        </p:nvSpPr>
+        <p:spPr>
+          <a:xfrm>
+            <a:off x="5954934" y="1840737"/>
+            <a:ext cx="250166" cy="250166"/>
+          </a:xfrm>
+          <a:prstGeom prst="ellipse">
+            <a:avLst/>
+          </a:prstGeom>
+          <a:noFill/>
+          <a:ln>
+            <a:solidFill>
+              <a:srgbClr val="FF0000"/>
+            </a:solidFill>
+          </a:ln>
+        </p:spPr>
+        <p:style>
+          <a:lnRef idx="2">
+            <a:schemeClr val="accent1">
+              <a:shade val="50000"/>
+            </a:schemeClr>
+          </a:lnRef>
+          <a:fillRef idx="1">
+            <a:schemeClr val="accent1"/>
+          </a:fillRef>
+          <a:effectRef idx="0">
+            <a:schemeClr val="accent1"/>
+          </a:effectRef>
+          <a:fontRef idx="minor">
+            <a:schemeClr val="lt1"/>
+          </a:fontRef>
+        </p:style>
+        <p:txBody>
+          <a:bodyPr rtlCol="0" anchor="ctr"/>
+          <a:lstStyle/>
+          <a:p>
+            <a:pPr algn="ctr"/>
+            <a:r>
+              <a:rPr lang="en-US" altLang="ko-KR" sz="1000" dirty="0">
+                <a:solidFill>
+                  <a:srgbClr val="FF0000"/>
+                </a:solidFill>
+              </a:rPr>
+              <a:t>2</a:t>
+            </a:r>
+            <a:endParaRPr lang="ko-KR" altLang="en-US" sz="1000" dirty="0">
+              <a:solidFill>
+                <a:srgbClr val="FF0000"/>
+              </a:solidFill>
+            </a:endParaRPr>
+          </a:p>
+        </p:txBody>
+      </p:sp>
+      <p:sp>
+        <p:nvSpPr>
+          <p:cNvPr id="35" name="타원 34">
+            <a:extLst>
+              <a:ext uri="{FF2B5EF4-FFF2-40B4-BE49-F238E27FC236}">
+                <a16:creationId xmlns:a16="http://schemas.microsoft.com/office/drawing/2014/main" id="{2DEF7EB7-7D3E-4789-B473-96AEE5A6972C}"/>
+              </a:ext>
+            </a:extLst>
+          </p:cNvPr>
+          <p:cNvSpPr/>
+          <p:nvPr/>
+        </p:nvSpPr>
+        <p:spPr>
+          <a:xfrm>
+            <a:off x="5970581" y="3423251"/>
+            <a:ext cx="250166" cy="250166"/>
+          </a:xfrm>
+          <a:prstGeom prst="ellipse">
+            <a:avLst/>
+          </a:prstGeom>
+          <a:noFill/>
+          <a:ln>
+            <a:solidFill>
+              <a:srgbClr val="FF0000"/>
+            </a:solidFill>
+          </a:ln>
+        </p:spPr>
+        <p:style>
+          <a:lnRef idx="2">
+            <a:schemeClr val="accent1">
+              <a:shade val="50000"/>
+            </a:schemeClr>
+          </a:lnRef>
+          <a:fillRef idx="1">
+            <a:schemeClr val="accent1"/>
+          </a:fillRef>
+          <a:effectRef idx="0">
+            <a:schemeClr val="accent1"/>
+          </a:effectRef>
+          <a:fontRef idx="minor">
+            <a:schemeClr val="lt1"/>
+          </a:fontRef>
+        </p:style>
+        <p:txBody>
+          <a:bodyPr rtlCol="0" anchor="ctr"/>
+          <a:lstStyle/>
+          <a:p>
+            <a:pPr algn="ctr"/>
+            <a:r>
+              <a:rPr lang="en-US" altLang="ko-KR" sz="1000" dirty="0">
+                <a:solidFill>
+                  <a:srgbClr val="FF0000"/>
+                </a:solidFill>
+              </a:rPr>
+              <a:t>3</a:t>
+            </a:r>
+            <a:endParaRPr lang="ko-KR" altLang="en-US" sz="1000" dirty="0">
+              <a:solidFill>
+                <a:srgbClr val="FF0000"/>
+              </a:solidFill>
+            </a:endParaRPr>
+          </a:p>
+        </p:txBody>
+      </p:sp>
+      <p:sp>
+        <p:nvSpPr>
+          <p:cNvPr id="36" name="타원 35">
+            <a:extLst>
+              <a:ext uri="{FF2B5EF4-FFF2-40B4-BE49-F238E27FC236}">
+                <a16:creationId xmlns:a16="http://schemas.microsoft.com/office/drawing/2014/main" id="{EFAEE457-AC2B-4CBA-99DA-52875BFEFAAF}"/>
+              </a:ext>
+            </a:extLst>
+          </p:cNvPr>
+          <p:cNvSpPr/>
+          <p:nvPr/>
+        </p:nvSpPr>
+        <p:spPr>
+          <a:xfrm>
+            <a:off x="3395297" y="3382205"/>
+            <a:ext cx="250166" cy="250166"/>
+          </a:xfrm>
+          <a:prstGeom prst="ellipse">
+            <a:avLst/>
+          </a:prstGeom>
+          <a:noFill/>
+          <a:ln>
+            <a:solidFill>
+              <a:srgbClr val="FF0000"/>
+            </a:solidFill>
+          </a:ln>
+        </p:spPr>
+        <p:style>
+          <a:lnRef idx="2">
+            <a:schemeClr val="accent1">
+              <a:shade val="50000"/>
+            </a:schemeClr>
+          </a:lnRef>
+          <a:fillRef idx="1">
+            <a:schemeClr val="accent1"/>
+          </a:fillRef>
+          <a:effectRef idx="0">
+            <a:schemeClr val="accent1"/>
+          </a:effectRef>
+          <a:fontRef idx="minor">
+            <a:schemeClr val="lt1"/>
+          </a:fontRef>
+        </p:style>
+        <p:txBody>
+          <a:bodyPr rtlCol="0" anchor="ctr"/>
+          <a:lstStyle/>
+          <a:p>
+            <a:pPr algn="ctr"/>
+            <a:r>
+              <a:rPr lang="en-US" altLang="ko-KR" sz="1000" dirty="0">
+                <a:solidFill>
+                  <a:srgbClr val="FF0000"/>
+                </a:solidFill>
+              </a:rPr>
+              <a:t>4</a:t>
+            </a:r>
+            <a:endParaRPr lang="ko-KR" altLang="en-US" sz="1000" dirty="0">
+              <a:solidFill>
+                <a:srgbClr val="FF0000"/>
+              </a:solidFill>
+            </a:endParaRPr>
+          </a:p>
+        </p:txBody>
+      </p:sp>
+    </p:spTree>
+    <p:extLst>
+      <p:ext uri="{BB962C8B-B14F-4D97-AF65-F5344CB8AC3E}">
+        <p14:creationId xmlns:p14="http://schemas.microsoft.com/office/powerpoint/2010/main" val="3241128318"/>
+      </p:ext>
+    </p:extLst>
+  </p:cSld>
+  <p:clrMapOvr>
+    <a:masterClrMapping/>
+  </p:clrMapOvr>
+</p:sld>
+</file>
+
+<file path=ppt/slides/slide4.xml><?xml version="1.0" encoding="utf-8"?>
+<p:sld xmlns:a="http://schemas.openxmlformats.org/drawingml/2006/main" xmlns:r="http://schemas.openxmlformats.org/officeDocument/2006/relationships" xmlns:p="http://schemas.openxmlformats.org/presentationml/2006/main">
+  <p:cSld>
+    <p:spTree>
+      <p:nvGrpSpPr>
+        <p:cNvPr id="1" name=""/>
+        <p:cNvGrpSpPr/>
+        <p:nvPr/>
+      </p:nvGrpSpPr>
+      <p:grpSpPr>
+        <a:xfrm>
+          <a:off x="0" y="0"/>
+          <a:ext cx="0" cy="0"/>
+          <a:chOff x="0" y="0"/>
+          <a:chExt cx="0" cy="0"/>
+        </a:xfrm>
+      </p:grpSpPr>
+      <p:pic>
+        <p:nvPicPr>
+          <p:cNvPr id="6" name="그림 5">
+            <a:extLst>
+              <a:ext uri="{FF2B5EF4-FFF2-40B4-BE49-F238E27FC236}">
+                <a16:creationId xmlns:a16="http://schemas.microsoft.com/office/drawing/2014/main" id="{7FE89C4D-FECA-49D9-BD29-B6BFEF7A8719}"/>
+              </a:ext>
+            </a:extLst>
+          </p:cNvPr>
+          <p:cNvPicPr>
+            <a:picLocks noChangeAspect="1"/>
+          </p:cNvPicPr>
+          <p:nvPr/>
+        </p:nvPicPr>
+        <p:blipFill>
+          <a:blip r:embed="rId2"/>
+          <a:stretch>
+            <a:fillRect/>
+          </a:stretch>
+        </p:blipFill>
+        <p:spPr>
+          <a:xfrm>
+            <a:off x="1571086" y="124813"/>
+            <a:ext cx="8277764" cy="6608371"/>
+          </a:xfrm>
+          <a:prstGeom prst="rect">
+            <a:avLst/>
+          </a:prstGeom>
+        </p:spPr>
+      </p:pic>
+      <p:sp>
+        <p:nvSpPr>
+          <p:cNvPr id="7" name="직사각형 6">
+            <a:extLst>
+              <a:ext uri="{FF2B5EF4-FFF2-40B4-BE49-F238E27FC236}">
+                <a16:creationId xmlns:a16="http://schemas.microsoft.com/office/drawing/2014/main" id="{14C86F7B-0ABD-4054-AD0C-50779536ED43}"/>
+              </a:ext>
+            </a:extLst>
+          </p:cNvPr>
+          <p:cNvSpPr/>
+          <p:nvPr/>
+        </p:nvSpPr>
+        <p:spPr>
+          <a:xfrm>
+            <a:off x="2729722" y="4543246"/>
+            <a:ext cx="401667" cy="209370"/>
+          </a:xfrm>
+          <a:prstGeom prst="rect">
+            <a:avLst/>
+          </a:prstGeom>
+        </p:spPr>
+        <p:style>
+          <a:lnRef idx="2">
+            <a:schemeClr val="accent1">
+              <a:shade val="50000"/>
+            </a:schemeClr>
+          </a:lnRef>
+          <a:fillRef idx="1">
+            <a:schemeClr val="accent1"/>
+          </a:fillRef>
+          <a:effectRef idx="0">
+            <a:schemeClr val="accent1"/>
+          </a:effectRef>
+          <a:fontRef idx="minor">
+            <a:schemeClr val="lt1"/>
+          </a:fontRef>
+        </p:style>
+        <p:txBody>
+          <a:bodyPr rtlCol="0" anchor="ctr"/>
+          <a:lstStyle/>
+          <a:p>
+            <a:pPr algn="ctr"/>
+            <a:endParaRPr lang="ko-KR" altLang="en-US"/>
+          </a:p>
+        </p:txBody>
+      </p:sp>
+      <p:sp>
+        <p:nvSpPr>
+          <p:cNvPr id="8" name="직사각형 7">
+            <a:extLst>
+              <a:ext uri="{FF2B5EF4-FFF2-40B4-BE49-F238E27FC236}">
+                <a16:creationId xmlns:a16="http://schemas.microsoft.com/office/drawing/2014/main" id="{1F35A397-A836-4981-B7E4-4C8855EE0B7D}"/>
+              </a:ext>
+            </a:extLst>
+          </p:cNvPr>
+          <p:cNvSpPr/>
+          <p:nvPr/>
+        </p:nvSpPr>
+        <p:spPr>
+          <a:xfrm>
+            <a:off x="4649907" y="4543246"/>
+            <a:ext cx="427816" cy="238125"/>
+          </a:xfrm>
+          <a:prstGeom prst="rect">
+            <a:avLst/>
+          </a:prstGeom>
+        </p:spPr>
+        <p:style>
+          <a:lnRef idx="2">
+            <a:schemeClr val="accent1">
+              <a:shade val="50000"/>
+            </a:schemeClr>
+          </a:lnRef>
+          <a:fillRef idx="1">
+            <a:schemeClr val="accent1"/>
+          </a:fillRef>
+          <a:effectRef idx="0">
+            <a:schemeClr val="accent1"/>
+          </a:effectRef>
+          <a:fontRef idx="minor">
+            <a:schemeClr val="lt1"/>
+          </a:fontRef>
+        </p:style>
+        <p:txBody>
+          <a:bodyPr rtlCol="0" anchor="ctr"/>
+          <a:lstStyle/>
+          <a:p>
+            <a:pPr algn="ctr"/>
+            <a:endParaRPr lang="ko-KR" altLang="en-US"/>
+          </a:p>
+        </p:txBody>
+      </p:sp>
+      <p:sp>
+        <p:nvSpPr>
+          <p:cNvPr id="10" name="직사각형 9">
+            <a:extLst>
+              <a:ext uri="{FF2B5EF4-FFF2-40B4-BE49-F238E27FC236}">
+                <a16:creationId xmlns:a16="http://schemas.microsoft.com/office/drawing/2014/main" id="{BD1C031D-AD7C-4D5F-82A4-8E8611D56AD9}"/>
+              </a:ext>
+            </a:extLst>
+          </p:cNvPr>
+          <p:cNvSpPr/>
+          <p:nvPr/>
+        </p:nvSpPr>
+        <p:spPr>
+          <a:xfrm>
+            <a:off x="3364302" y="4862712"/>
+            <a:ext cx="465827" cy="45719"/>
+          </a:xfrm>
+          <a:prstGeom prst="rect">
+            <a:avLst/>
+          </a:prstGeom>
+          <a:noFill/>
+          <a:ln>
+            <a:solidFill>
+              <a:schemeClr val="tx1"/>
+            </a:solidFill>
+          </a:ln>
+        </p:spPr>
+        <p:style>
+          <a:lnRef idx="2">
+            <a:schemeClr val="accent1">
+              <a:shade val="50000"/>
+            </a:schemeClr>
+          </a:lnRef>
+          <a:fillRef idx="1">
+            <a:schemeClr val="accent1"/>
+          </a:fillRef>
+          <a:effectRef idx="0">
+            <a:schemeClr val="accent1"/>
+          </a:effectRef>
+          <a:fontRef idx="minor">
+            <a:schemeClr val="lt1"/>
+          </a:fontRef>
+        </p:style>
+        <p:txBody>
+          <a:bodyPr rtlCol="0" anchor="ctr"/>
+          <a:lstStyle/>
+          <a:p>
+            <a:pPr algn="ctr"/>
+            <a:endParaRPr lang="ko-KR" altLang="en-US"/>
+          </a:p>
+        </p:txBody>
+      </p:sp>
+      <p:sp>
+        <p:nvSpPr>
+          <p:cNvPr id="11" name="타원 10">
+            <a:extLst>
+              <a:ext uri="{FF2B5EF4-FFF2-40B4-BE49-F238E27FC236}">
+                <a16:creationId xmlns:a16="http://schemas.microsoft.com/office/drawing/2014/main" id="{E98FDD38-63AA-4670-9834-FA0DD50AE88E}"/>
+              </a:ext>
+            </a:extLst>
+          </p:cNvPr>
+          <p:cNvSpPr/>
+          <p:nvPr/>
+        </p:nvSpPr>
+        <p:spPr>
+          <a:xfrm>
+            <a:off x="2780132" y="4497508"/>
+            <a:ext cx="300846" cy="300846"/>
+          </a:xfrm>
+          <a:prstGeom prst="ellipse">
+            <a:avLst/>
+          </a:prstGeom>
+          <a:noFill/>
+          <a:ln>
+            <a:solidFill>
+              <a:srgbClr val="FF0000"/>
+            </a:solidFill>
+          </a:ln>
+        </p:spPr>
+        <p:style>
+          <a:lnRef idx="2">
+            <a:schemeClr val="accent1">
+              <a:shade val="50000"/>
+            </a:schemeClr>
+          </a:lnRef>
+          <a:fillRef idx="1">
+            <a:schemeClr val="accent1"/>
+          </a:fillRef>
+          <a:effectRef idx="0">
+            <a:schemeClr val="accent1"/>
+          </a:effectRef>
+          <a:fontRef idx="minor">
+            <a:schemeClr val="lt1"/>
+          </a:fontRef>
+        </p:style>
+        <p:txBody>
+          <a:bodyPr rtlCol="0" anchor="ctr"/>
+          <a:lstStyle/>
+          <a:p>
+            <a:pPr algn="ctr"/>
+            <a:r>
+              <a:rPr lang="en-US" altLang="ko-KR" dirty="0">
+                <a:solidFill>
+                  <a:srgbClr val="FF0000"/>
+                </a:solidFill>
+              </a:rPr>
+              <a:t>1</a:t>
+            </a:r>
+            <a:endParaRPr lang="ko-KR" altLang="en-US" dirty="0">
+              <a:solidFill>
+                <a:srgbClr val="FF0000"/>
+              </a:solidFill>
+            </a:endParaRPr>
+          </a:p>
+        </p:txBody>
+      </p:sp>
+      <p:sp>
+        <p:nvSpPr>
+          <p:cNvPr id="12" name="타원 11">
+            <a:extLst>
+              <a:ext uri="{FF2B5EF4-FFF2-40B4-BE49-F238E27FC236}">
+                <a16:creationId xmlns:a16="http://schemas.microsoft.com/office/drawing/2014/main" id="{69E85584-DE6C-476F-87D5-E7E22CCD623D}"/>
+              </a:ext>
+            </a:extLst>
+          </p:cNvPr>
+          <p:cNvSpPr/>
+          <p:nvPr/>
+        </p:nvSpPr>
+        <p:spPr>
+          <a:xfrm>
+            <a:off x="4649907" y="4511885"/>
+            <a:ext cx="300846" cy="300846"/>
+          </a:xfrm>
+          <a:prstGeom prst="ellipse">
+            <a:avLst/>
+          </a:prstGeom>
+          <a:noFill/>
+          <a:ln>
+            <a:solidFill>
+              <a:srgbClr val="FF0000"/>
+            </a:solidFill>
+          </a:ln>
+        </p:spPr>
+        <p:style>
+          <a:lnRef idx="2">
+            <a:schemeClr val="accent1">
+              <a:shade val="50000"/>
+            </a:schemeClr>
+          </a:lnRef>
+          <a:fillRef idx="1">
+            <a:schemeClr val="accent1"/>
+          </a:fillRef>
+          <a:effectRef idx="0">
+            <a:schemeClr val="accent1"/>
+          </a:effectRef>
+          <a:fontRef idx="minor">
+            <a:schemeClr val="lt1"/>
+          </a:fontRef>
+        </p:style>
+        <p:txBody>
+          <a:bodyPr rtlCol="0" anchor="ctr"/>
+          <a:lstStyle/>
+          <a:p>
+            <a:pPr algn="ctr"/>
+            <a:r>
+              <a:rPr lang="en-US" altLang="ko-KR" dirty="0">
+                <a:solidFill>
+                  <a:srgbClr val="FF0000"/>
+                </a:solidFill>
+              </a:rPr>
+              <a:t>2</a:t>
+            </a:r>
+            <a:endParaRPr lang="ko-KR" altLang="en-US" dirty="0">
+              <a:solidFill>
+                <a:srgbClr val="FF0000"/>
+              </a:solidFill>
+            </a:endParaRPr>
+          </a:p>
+        </p:txBody>
+      </p:sp>
+    </p:spTree>
+    <p:extLst>
+      <p:ext uri="{BB962C8B-B14F-4D97-AF65-F5344CB8AC3E}">
+        <p14:creationId xmlns:p14="http://schemas.microsoft.com/office/powerpoint/2010/main" val="2355070503"/>
+      </p:ext>
+    </p:extLst>
+  </p:cSld>
+  <p:clrMapOvr>
+    <a:masterClrMapping/>
+  </p:clrMapOvr>
+</p:sld>
+</file>
+
+<file path=ppt/slides/slide5.xml><?xml version="1.0" encoding="utf-8"?>
+<p:sld xmlns:a="http://schemas.openxmlformats.org/drawingml/2006/main" xmlns:r="http://schemas.openxmlformats.org/officeDocument/2006/relationships" xmlns:p="http://schemas.openxmlformats.org/presentationml/2006/main">
+  <p:cSld>
+    <p:spTree>
+      <p:nvGrpSpPr>
+        <p:cNvPr id="1" name=""/>
+        <p:cNvGrpSpPr/>
+        <p:nvPr/>
+      </p:nvGrpSpPr>
+      <p:grpSpPr>
+        <a:xfrm>
+          <a:off x="0" y="0"/>
+          <a:ext cx="0" cy="0"/>
+          <a:chOff x="0" y="0"/>
+          <a:chExt cx="0" cy="0"/>
+        </a:xfrm>
+      </p:grpSpPr>
+      <p:pic>
+        <p:nvPicPr>
+          <p:cNvPr id="6" name="그림 5">
+            <a:extLst>
+              <a:ext uri="{FF2B5EF4-FFF2-40B4-BE49-F238E27FC236}">
+                <a16:creationId xmlns:a16="http://schemas.microsoft.com/office/drawing/2014/main" id="{7FE89C4D-FECA-49D9-BD29-B6BFEF7A8719}"/>
+              </a:ext>
+            </a:extLst>
+          </p:cNvPr>
+          <p:cNvPicPr>
+            <a:picLocks noChangeAspect="1"/>
+          </p:cNvPicPr>
+          <p:nvPr/>
+        </p:nvPicPr>
+        <p:blipFill>
+          <a:blip r:embed="rId2"/>
+          <a:stretch>
+            <a:fillRect/>
+          </a:stretch>
+        </p:blipFill>
+        <p:spPr>
+          <a:xfrm>
+            <a:off x="1562169" y="124814"/>
+            <a:ext cx="8277764" cy="6608371"/>
+          </a:xfrm>
+          <a:prstGeom prst="rect">
+            <a:avLst/>
+          </a:prstGeom>
+        </p:spPr>
+      </p:pic>
+      <p:sp>
+        <p:nvSpPr>
+          <p:cNvPr id="7" name="직사각형 6">
+            <a:extLst>
+              <a:ext uri="{FF2B5EF4-FFF2-40B4-BE49-F238E27FC236}">
+                <a16:creationId xmlns:a16="http://schemas.microsoft.com/office/drawing/2014/main" id="{14C86F7B-0ABD-4054-AD0C-50779536ED43}"/>
+              </a:ext>
+            </a:extLst>
+          </p:cNvPr>
+          <p:cNvSpPr/>
+          <p:nvPr/>
+        </p:nvSpPr>
+        <p:spPr>
+          <a:xfrm>
+            <a:off x="4728084" y="1163820"/>
+            <a:ext cx="401667" cy="209370"/>
+          </a:xfrm>
+          <a:prstGeom prst="rect">
+            <a:avLst/>
+          </a:prstGeom>
+        </p:spPr>
+        <p:style>
+          <a:lnRef idx="2">
+            <a:schemeClr val="accent1">
+              <a:shade val="50000"/>
+            </a:schemeClr>
+          </a:lnRef>
+          <a:fillRef idx="1">
+            <a:schemeClr val="accent1"/>
+          </a:fillRef>
+          <a:effectRef idx="0">
+            <a:schemeClr val="accent1"/>
+          </a:effectRef>
+          <a:fontRef idx="minor">
+            <a:schemeClr val="lt1"/>
+          </a:fontRef>
+        </p:style>
+        <p:txBody>
+          <a:bodyPr rtlCol="0" anchor="ctr"/>
+          <a:lstStyle/>
+          <a:p>
+            <a:pPr algn="ctr"/>
+            <a:endParaRPr lang="ko-KR" altLang="en-US"/>
+          </a:p>
+        </p:txBody>
+      </p:sp>
+      <p:sp>
+        <p:nvSpPr>
+          <p:cNvPr id="8" name="직사각형 7">
+            <a:extLst>
+              <a:ext uri="{FF2B5EF4-FFF2-40B4-BE49-F238E27FC236}">
+                <a16:creationId xmlns:a16="http://schemas.microsoft.com/office/drawing/2014/main" id="{1F35A397-A836-4981-B7E4-4C8855EE0B7D}"/>
+              </a:ext>
+            </a:extLst>
+          </p:cNvPr>
+          <p:cNvSpPr/>
+          <p:nvPr/>
+        </p:nvSpPr>
+        <p:spPr>
+          <a:xfrm>
+            <a:off x="4676056" y="4543246"/>
+            <a:ext cx="401667" cy="238125"/>
+          </a:xfrm>
+          <a:prstGeom prst="rect">
+            <a:avLst/>
+          </a:prstGeom>
+        </p:spPr>
+        <p:style>
+          <a:lnRef idx="2">
+            <a:schemeClr val="accent1">
+              <a:shade val="50000"/>
+            </a:schemeClr>
+          </a:lnRef>
+          <a:fillRef idx="1">
+            <a:schemeClr val="accent1"/>
+          </a:fillRef>
+          <a:effectRef idx="0">
+            <a:schemeClr val="accent1"/>
+          </a:effectRef>
+          <a:fontRef idx="minor">
+            <a:schemeClr val="lt1"/>
+          </a:fontRef>
+        </p:style>
+        <p:txBody>
+          <a:bodyPr rtlCol="0" anchor="ctr"/>
+          <a:lstStyle/>
+          <a:p>
+            <a:pPr algn="ctr"/>
+            <a:endParaRPr lang="ko-KR" altLang="en-US"/>
+          </a:p>
+        </p:txBody>
+      </p:sp>
+      <p:sp>
+        <p:nvSpPr>
+          <p:cNvPr id="10" name="직사각형 9">
+            <a:extLst>
+              <a:ext uri="{FF2B5EF4-FFF2-40B4-BE49-F238E27FC236}">
+                <a16:creationId xmlns:a16="http://schemas.microsoft.com/office/drawing/2014/main" id="{BD1C031D-AD7C-4D5F-82A4-8E8611D56AD9}"/>
+              </a:ext>
+            </a:extLst>
+          </p:cNvPr>
+          <p:cNvSpPr/>
+          <p:nvPr/>
+        </p:nvSpPr>
+        <p:spPr>
+          <a:xfrm>
+            <a:off x="3364302" y="4862712"/>
+            <a:ext cx="465827" cy="45719"/>
+          </a:xfrm>
+          <a:prstGeom prst="rect">
+            <a:avLst/>
+          </a:prstGeom>
+          <a:noFill/>
+          <a:ln>
+            <a:solidFill>
+              <a:schemeClr val="tx1"/>
+            </a:solidFill>
+          </a:ln>
+        </p:spPr>
+        <p:style>
+          <a:lnRef idx="2">
+            <a:schemeClr val="accent1">
+              <a:shade val="50000"/>
+            </a:schemeClr>
+          </a:lnRef>
+          <a:fillRef idx="1">
+            <a:schemeClr val="accent1"/>
+          </a:fillRef>
+          <a:effectRef idx="0">
+            <a:schemeClr val="accent1"/>
+          </a:effectRef>
+          <a:fontRef idx="minor">
+            <a:schemeClr val="lt1"/>
+          </a:fontRef>
+        </p:style>
+        <p:txBody>
+          <a:bodyPr rtlCol="0" anchor="ctr"/>
+          <a:lstStyle/>
+          <a:p>
+            <a:pPr algn="ctr"/>
+            <a:endParaRPr lang="ko-KR" altLang="en-US"/>
+          </a:p>
+        </p:txBody>
+      </p:sp>
+      <p:sp>
+        <p:nvSpPr>
+          <p:cNvPr id="9" name="타원 8">
+            <a:extLst>
+              <a:ext uri="{FF2B5EF4-FFF2-40B4-BE49-F238E27FC236}">
+                <a16:creationId xmlns:a16="http://schemas.microsoft.com/office/drawing/2014/main" id="{8491E773-3B28-4AE6-BE0C-F13619D949F0}"/>
+              </a:ext>
+            </a:extLst>
+          </p:cNvPr>
+          <p:cNvSpPr/>
+          <p:nvPr/>
+        </p:nvSpPr>
+        <p:spPr>
+          <a:xfrm>
+            <a:off x="4776877" y="1144299"/>
+            <a:ext cx="300846" cy="300846"/>
+          </a:xfrm>
+          <a:prstGeom prst="ellipse">
+            <a:avLst/>
+          </a:prstGeom>
+          <a:noFill/>
+          <a:ln>
+            <a:solidFill>
+              <a:srgbClr val="FF0000"/>
+            </a:solidFill>
+          </a:ln>
+        </p:spPr>
+        <p:style>
+          <a:lnRef idx="2">
+            <a:schemeClr val="accent1">
+              <a:shade val="50000"/>
+            </a:schemeClr>
+          </a:lnRef>
+          <a:fillRef idx="1">
+            <a:schemeClr val="accent1"/>
+          </a:fillRef>
+          <a:effectRef idx="0">
+            <a:schemeClr val="accent1"/>
+          </a:effectRef>
+          <a:fontRef idx="minor">
+            <a:schemeClr val="lt1"/>
+          </a:fontRef>
+        </p:style>
+        <p:txBody>
+          <a:bodyPr rtlCol="0" anchor="ctr"/>
+          <a:lstStyle/>
+          <a:p>
+            <a:pPr algn="ctr"/>
+            <a:r>
+              <a:rPr lang="en-US" altLang="ko-KR" dirty="0">
+                <a:solidFill>
+                  <a:srgbClr val="FF0000"/>
+                </a:solidFill>
+              </a:rPr>
+              <a:t>1</a:t>
+            </a:r>
+            <a:endParaRPr lang="ko-KR" altLang="en-US" dirty="0">
+              <a:solidFill>
+                <a:srgbClr val="FF0000"/>
+              </a:solidFill>
+            </a:endParaRPr>
+          </a:p>
+        </p:txBody>
+      </p:sp>
+      <p:sp>
+        <p:nvSpPr>
+          <p:cNvPr id="11" name="타원 10">
+            <a:extLst>
+              <a:ext uri="{FF2B5EF4-FFF2-40B4-BE49-F238E27FC236}">
+                <a16:creationId xmlns:a16="http://schemas.microsoft.com/office/drawing/2014/main" id="{1ACC80BF-BAA1-4408-8733-5FC696DFE6EA}"/>
+              </a:ext>
+            </a:extLst>
+          </p:cNvPr>
+          <p:cNvSpPr/>
+          <p:nvPr/>
+        </p:nvSpPr>
+        <p:spPr>
+          <a:xfrm>
+            <a:off x="4728084" y="4480525"/>
+            <a:ext cx="300846" cy="300846"/>
+          </a:xfrm>
+          <a:prstGeom prst="ellipse">
+            <a:avLst/>
+          </a:prstGeom>
+          <a:noFill/>
+          <a:ln>
+            <a:solidFill>
+              <a:srgbClr val="FF0000"/>
+            </a:solidFill>
+          </a:ln>
+        </p:spPr>
+        <p:style>
+          <a:lnRef idx="2">
+            <a:schemeClr val="accent1">
+              <a:shade val="50000"/>
+            </a:schemeClr>
+          </a:lnRef>
+          <a:fillRef idx="1">
+            <a:schemeClr val="accent1"/>
+          </a:fillRef>
+          <a:effectRef idx="0">
+            <a:schemeClr val="accent1"/>
+          </a:effectRef>
+          <a:fontRef idx="minor">
+            <a:schemeClr val="lt1"/>
+          </a:fontRef>
+        </p:style>
+        <p:txBody>
+          <a:bodyPr rtlCol="0" anchor="ctr"/>
+          <a:lstStyle/>
+          <a:p>
+            <a:pPr algn="ctr"/>
+            <a:r>
+              <a:rPr lang="en-US" altLang="ko-KR" dirty="0">
+                <a:solidFill>
+                  <a:srgbClr val="FF0000"/>
+                </a:solidFill>
+              </a:rPr>
+              <a:t>2</a:t>
+            </a:r>
+            <a:endParaRPr lang="ko-KR" altLang="en-US" dirty="0">
+              <a:solidFill>
+                <a:srgbClr val="FF0000"/>
+              </a:solidFill>
+            </a:endParaRPr>
+          </a:p>
+        </p:txBody>
+      </p:sp>
+      <p:sp>
+        <p:nvSpPr>
+          <p:cNvPr id="12" name="직사각형 11">
+            <a:extLst>
+              <a:ext uri="{FF2B5EF4-FFF2-40B4-BE49-F238E27FC236}">
+                <a16:creationId xmlns:a16="http://schemas.microsoft.com/office/drawing/2014/main" id="{B6C2ED00-88DE-4E13-AA07-8AA7D889A525}"/>
+              </a:ext>
+            </a:extLst>
+          </p:cNvPr>
+          <p:cNvSpPr/>
+          <p:nvPr/>
+        </p:nvSpPr>
+        <p:spPr>
+          <a:xfrm>
+            <a:off x="4047542" y="4543246"/>
+            <a:ext cx="628514" cy="238125"/>
+          </a:xfrm>
+          <a:prstGeom prst="rect">
+            <a:avLst/>
+          </a:prstGeom>
+          <a:solidFill>
+            <a:srgbClr val="FF0000"/>
+          </a:solidFill>
+        </p:spPr>
+        <p:style>
+          <a:lnRef idx="2">
+            <a:schemeClr val="accent1">
+              <a:shade val="50000"/>
+            </a:schemeClr>
+          </a:lnRef>
+          <a:fillRef idx="1">
+            <a:schemeClr val="accent1"/>
+          </a:fillRef>
+          <a:effectRef idx="0">
+            <a:schemeClr val="accent1"/>
+          </a:effectRef>
+          <a:fontRef idx="minor">
+            <a:schemeClr val="lt1"/>
+          </a:fontRef>
+        </p:style>
+        <p:txBody>
+          <a:bodyPr rtlCol="0" anchor="ctr"/>
+          <a:lstStyle/>
+          <a:p>
+            <a:pPr algn="ctr"/>
+            <a:endParaRPr lang="ko-KR" altLang="en-US"/>
+          </a:p>
+        </p:txBody>
+      </p:sp>
+      <p:sp>
+        <p:nvSpPr>
+          <p:cNvPr id="13" name="직사각형 12">
+            <a:extLst>
+              <a:ext uri="{FF2B5EF4-FFF2-40B4-BE49-F238E27FC236}">
+                <a16:creationId xmlns:a16="http://schemas.microsoft.com/office/drawing/2014/main" id="{B613C14A-B1EF-49DD-8C92-A12F4D6C132C}"/>
+              </a:ext>
+            </a:extLst>
+          </p:cNvPr>
+          <p:cNvSpPr/>
+          <p:nvPr/>
+        </p:nvSpPr>
+        <p:spPr>
+          <a:xfrm>
+            <a:off x="2727701" y="4543245"/>
+            <a:ext cx="628514" cy="238125"/>
+          </a:xfrm>
+          <a:prstGeom prst="rect">
+            <a:avLst/>
+          </a:prstGeom>
+          <a:solidFill>
+            <a:srgbClr val="FF0000"/>
+          </a:solidFill>
+        </p:spPr>
+        <p:style>
+          <a:lnRef idx="2">
+            <a:schemeClr val="accent1">
+              <a:shade val="50000"/>
+            </a:schemeClr>
+          </a:lnRef>
+          <a:fillRef idx="1">
+            <a:schemeClr val="accent1"/>
+          </a:fillRef>
+          <a:effectRef idx="0">
+            <a:schemeClr val="accent1"/>
+          </a:effectRef>
+          <a:fontRef idx="minor">
+            <a:schemeClr val="lt1"/>
+          </a:fontRef>
+        </p:style>
+        <p:txBody>
+          <a:bodyPr rtlCol="0" anchor="ctr"/>
+          <a:lstStyle/>
+          <a:p>
+            <a:pPr algn="ctr"/>
+            <a:endParaRPr lang="ko-KR" altLang="en-US"/>
+          </a:p>
+        </p:txBody>
+      </p:sp>
+      <p:cxnSp>
+        <p:nvCxnSpPr>
+          <p:cNvPr id="3" name="직선 화살표 연결선 2">
+            <a:extLst>
+              <a:ext uri="{FF2B5EF4-FFF2-40B4-BE49-F238E27FC236}">
+                <a16:creationId xmlns:a16="http://schemas.microsoft.com/office/drawing/2014/main" id="{8CF4982F-DF69-40DD-8365-B3DF6D75E962}"/>
+              </a:ext>
+            </a:extLst>
+          </p:cNvPr>
+          <p:cNvCxnSpPr/>
+          <p:nvPr/>
+        </p:nvCxnSpPr>
+        <p:spPr>
+          <a:xfrm>
+            <a:off x="4047542" y="4408098"/>
+            <a:ext cx="1081400" cy="0"/>
+          </a:xfrm>
+          <a:prstGeom prst="straightConnector1">
+            <a:avLst/>
+          </a:prstGeom>
+          <a:ln>
+            <a:headEnd type="triangle"/>
+            <a:tailEnd type="triangle"/>
+          </a:ln>
+        </p:spPr>
+        <p:style>
+          <a:lnRef idx="1">
+            <a:schemeClr val="accent1"/>
+          </a:lnRef>
+          <a:fillRef idx="0">
+            <a:schemeClr val="accent1"/>
+          </a:fillRef>
+          <a:effectRef idx="0">
+            <a:schemeClr val="accent1"/>
+          </a:effectRef>
+          <a:fontRef idx="minor">
+            <a:schemeClr val="tx1"/>
+          </a:fontRef>
+        </p:style>
+      </p:cxnSp>
+      <p:cxnSp>
+        <p:nvCxnSpPr>
+          <p:cNvPr id="14" name="직선 화살표 연결선 13">
+            <a:extLst>
+              <a:ext uri="{FF2B5EF4-FFF2-40B4-BE49-F238E27FC236}">
+                <a16:creationId xmlns:a16="http://schemas.microsoft.com/office/drawing/2014/main" id="{31FA2FF5-A36C-4CAA-AC45-BEFBC4BA8E59}"/>
+              </a:ext>
+            </a:extLst>
+          </p:cNvPr>
+          <p:cNvCxnSpPr>
+            <a:cxnSpLocks/>
+          </p:cNvCxnSpPr>
+          <p:nvPr/>
+        </p:nvCxnSpPr>
+        <p:spPr>
+          <a:xfrm>
+            <a:off x="2727701" y="4408098"/>
+            <a:ext cx="636601" cy="0"/>
+          </a:xfrm>
+          <a:prstGeom prst="straightConnector1">
+            <a:avLst/>
+          </a:prstGeom>
+          <a:ln>
+            <a:headEnd type="triangle"/>
+            <a:tailEnd type="triangle"/>
+          </a:ln>
+        </p:spPr>
+        <p:style>
+          <a:lnRef idx="1">
+            <a:schemeClr val="accent1"/>
+          </a:lnRef>
+          <a:fillRef idx="0">
+            <a:schemeClr val="accent1"/>
+          </a:fillRef>
+          <a:effectRef idx="0">
+            <a:schemeClr val="accent1"/>
+          </a:effectRef>
+          <a:fontRef idx="minor">
+            <a:schemeClr val="tx1"/>
+          </a:fontRef>
+        </p:style>
+      </p:cxnSp>
+      <p:sp>
+        <p:nvSpPr>
+          <p:cNvPr id="5" name="TextBox 4">
+            <a:extLst>
+              <a:ext uri="{FF2B5EF4-FFF2-40B4-BE49-F238E27FC236}">
+                <a16:creationId xmlns:a16="http://schemas.microsoft.com/office/drawing/2014/main" id="{A9AF19FC-CFC3-4EBE-A809-052AF28DDE6B}"/>
+              </a:ext>
+            </a:extLst>
+          </p:cNvPr>
+          <p:cNvSpPr txBox="1"/>
+          <p:nvPr/>
+        </p:nvSpPr>
+        <p:spPr>
+          <a:xfrm>
+            <a:off x="2727701" y="4152506"/>
+            <a:ext cx="690113" cy="215444"/>
+          </a:xfrm>
+          <a:prstGeom prst="rect">
+            <a:avLst/>
+          </a:prstGeom>
+          <a:noFill/>
+        </p:spPr>
+        <p:txBody>
+          <a:bodyPr wrap="square" rtlCol="0">
+            <a:spAutoFit/>
+          </a:bodyPr>
+          <a:lstStyle/>
+          <a:p>
+            <a:r>
+              <a:rPr lang="en-US" altLang="ko-KR" sz="800" b="1" dirty="0"/>
+              <a:t>130cm</a:t>
+            </a:r>
+            <a:endParaRPr lang="ko-KR" altLang="en-US" sz="800" b="1" dirty="0"/>
+          </a:p>
+        </p:txBody>
+      </p:sp>
+      <p:sp>
+        <p:nvSpPr>
+          <p:cNvPr id="15" name="TextBox 14">
+            <a:extLst>
+              <a:ext uri="{FF2B5EF4-FFF2-40B4-BE49-F238E27FC236}">
+                <a16:creationId xmlns:a16="http://schemas.microsoft.com/office/drawing/2014/main" id="{9B654ED1-55FA-4BB7-8B80-9DB3568DD49F}"/>
+              </a:ext>
+            </a:extLst>
+          </p:cNvPr>
+          <p:cNvSpPr txBox="1"/>
+          <p:nvPr/>
+        </p:nvSpPr>
+        <p:spPr>
+          <a:xfrm>
+            <a:off x="4330999" y="4197508"/>
+            <a:ext cx="690113" cy="215444"/>
+          </a:xfrm>
+          <a:prstGeom prst="rect">
+            <a:avLst/>
+          </a:prstGeom>
+          <a:noFill/>
+        </p:spPr>
+        <p:txBody>
+          <a:bodyPr wrap="square" rtlCol="0">
+            <a:spAutoFit/>
+          </a:bodyPr>
+          <a:lstStyle/>
+          <a:p>
+            <a:r>
+              <a:rPr lang="en-US" altLang="ko-KR" sz="800" b="1" dirty="0"/>
+              <a:t>300cm</a:t>
+            </a:r>
+            <a:endParaRPr lang="ko-KR" altLang="en-US" sz="800" b="1" dirty="0"/>
+          </a:p>
+        </p:txBody>
+      </p:sp>
+      <p:cxnSp>
+        <p:nvCxnSpPr>
+          <p:cNvPr id="16" name="직선 화살표 연결선 15">
+            <a:extLst>
+              <a:ext uri="{FF2B5EF4-FFF2-40B4-BE49-F238E27FC236}">
+                <a16:creationId xmlns:a16="http://schemas.microsoft.com/office/drawing/2014/main" id="{3A3BA6CA-AD08-4A95-8DB7-0542D2158819}"/>
+              </a:ext>
+            </a:extLst>
+          </p:cNvPr>
+          <p:cNvCxnSpPr>
+            <a:cxnSpLocks/>
+          </p:cNvCxnSpPr>
+          <p:nvPr/>
+        </p:nvCxnSpPr>
+        <p:spPr>
+          <a:xfrm>
+            <a:off x="4039454" y="4862712"/>
+            <a:ext cx="636601" cy="0"/>
+          </a:xfrm>
+          <a:prstGeom prst="straightConnector1">
+            <a:avLst/>
+          </a:prstGeom>
+          <a:ln>
+            <a:headEnd type="triangle"/>
+            <a:tailEnd type="triangle"/>
+          </a:ln>
+        </p:spPr>
+        <p:style>
+          <a:lnRef idx="1">
+            <a:schemeClr val="accent1"/>
+          </a:lnRef>
+          <a:fillRef idx="0">
+            <a:schemeClr val="accent1"/>
+          </a:fillRef>
+          <a:effectRef idx="0">
+            <a:schemeClr val="accent1"/>
+          </a:effectRef>
+          <a:fontRef idx="minor">
+            <a:schemeClr val="tx1"/>
+          </a:fontRef>
+        </p:style>
+      </p:cxnSp>
+      <p:sp>
+        <p:nvSpPr>
+          <p:cNvPr id="17" name="TextBox 16">
+            <a:extLst>
+              <a:ext uri="{FF2B5EF4-FFF2-40B4-BE49-F238E27FC236}">
+                <a16:creationId xmlns:a16="http://schemas.microsoft.com/office/drawing/2014/main" id="{EEAA3FEE-A2D9-4BA3-807A-86E052D40F10}"/>
+              </a:ext>
+            </a:extLst>
+          </p:cNvPr>
+          <p:cNvSpPr txBox="1"/>
+          <p:nvPr/>
+        </p:nvSpPr>
+        <p:spPr>
+          <a:xfrm>
+            <a:off x="4087573" y="4894198"/>
+            <a:ext cx="690113" cy="215444"/>
+          </a:xfrm>
+          <a:prstGeom prst="rect">
+            <a:avLst/>
+          </a:prstGeom>
+          <a:noFill/>
+        </p:spPr>
+        <p:txBody>
+          <a:bodyPr wrap="square" rtlCol="0">
+            <a:spAutoFit/>
+          </a:bodyPr>
+          <a:lstStyle/>
+          <a:p>
+            <a:r>
+              <a:rPr lang="en-US" altLang="ko-KR" sz="800" b="1" dirty="0"/>
+              <a:t>232cm</a:t>
+            </a:r>
+            <a:endParaRPr lang="ko-KR" altLang="en-US" sz="800" b="1" dirty="0"/>
+          </a:p>
+        </p:txBody>
+      </p:sp>
+    </p:spTree>
+    <p:extLst>
+      <p:ext uri="{BB962C8B-B14F-4D97-AF65-F5344CB8AC3E}">
+        <p14:creationId xmlns:p14="http://schemas.microsoft.com/office/powerpoint/2010/main" val="3718584886"/>
       </p:ext>
     </p:extLst>
   </p:cSld>
